--- a/Week4_Ttest/Week4_Hypotesting_Lec5.pptx
+++ b/Week4_Ttest/Week4_Hypotesting_Lec5.pptx
@@ -5,29 +5,33 @@
     <p:sldMasterId id="2147483648" r:id="rId1"/>
   </p:sldMasterIdLst>
   <p:notesMasterIdLst>
-    <p:notesMasterId r:id="rId22"/>
+    <p:notesMasterId r:id="rId26"/>
   </p:notesMasterIdLst>
   <p:sldIdLst>
-    <p:sldId id="256" r:id="rId2"/>
-    <p:sldId id="260" r:id="rId3"/>
-    <p:sldId id="259" r:id="rId4"/>
-    <p:sldId id="258" r:id="rId5"/>
-    <p:sldId id="284" r:id="rId6"/>
-    <p:sldId id="286" r:id="rId7"/>
-    <p:sldId id="263" r:id="rId8"/>
-    <p:sldId id="269" r:id="rId9"/>
-    <p:sldId id="266" r:id="rId10"/>
-    <p:sldId id="270" r:id="rId11"/>
-    <p:sldId id="271" r:id="rId12"/>
-    <p:sldId id="272" r:id="rId13"/>
-    <p:sldId id="273" r:id="rId14"/>
-    <p:sldId id="274" r:id="rId15"/>
-    <p:sldId id="275" r:id="rId16"/>
-    <p:sldId id="279" r:id="rId17"/>
-    <p:sldId id="280" r:id="rId18"/>
-    <p:sldId id="281" r:id="rId19"/>
-    <p:sldId id="283" r:id="rId20"/>
-    <p:sldId id="282" r:id="rId21"/>
+    <p:sldId id="289" r:id="rId2"/>
+    <p:sldId id="256" r:id="rId3"/>
+    <p:sldId id="260" r:id="rId4"/>
+    <p:sldId id="259" r:id="rId5"/>
+    <p:sldId id="258" r:id="rId6"/>
+    <p:sldId id="284" r:id="rId7"/>
+    <p:sldId id="287" r:id="rId8"/>
+    <p:sldId id="288" r:id="rId9"/>
+    <p:sldId id="286" r:id="rId10"/>
+    <p:sldId id="263" r:id="rId11"/>
+    <p:sldId id="269" r:id="rId12"/>
+    <p:sldId id="290" r:id="rId13"/>
+    <p:sldId id="266" r:id="rId14"/>
+    <p:sldId id="270" r:id="rId15"/>
+    <p:sldId id="271" r:id="rId16"/>
+    <p:sldId id="272" r:id="rId17"/>
+    <p:sldId id="273" r:id="rId18"/>
+    <p:sldId id="274" r:id="rId19"/>
+    <p:sldId id="275" r:id="rId20"/>
+    <p:sldId id="279" r:id="rId21"/>
+    <p:sldId id="280" r:id="rId22"/>
+    <p:sldId id="281" r:id="rId23"/>
+    <p:sldId id="283" r:id="rId24"/>
+    <p:sldId id="282" r:id="rId25"/>
   </p:sldIdLst>
   <p:sldSz cx="12192000" cy="6858000"/>
   <p:notesSz cx="6858000" cy="9144000"/>
@@ -126,6 +130,11 @@
       </a:defRPr>
     </a:lvl9pPr>
   </p:defaultTextStyle>
+  <p:extLst>
+    <p:ext uri="{EFAFB233-063F-42B5-8137-9DF3F51BA10A}">
+      <p15:sldGuideLst xmlns:p15="http://schemas.microsoft.com/office/powerpoint/2012/main"/>
+    </p:ext>
+  </p:extLst>
 </p:presentation>
 </file>
 
@@ -211,7 +220,7 @@
           <a:p>
             <a:fld id="{535CCCC0-93CC-47D2-A30F-4ECE79D09052}" type="datetimeFigureOut">
               <a:rPr lang="en-US" smtClean="0"/>
-              <a:t>1/22/2017</a:t>
+              <a:t>1/23/2017</a:t>
             </a:fld>
             <a:endParaRPr lang="en-US"/>
           </a:p>
@@ -306,7 +315,6 @@
               <a:rPr lang="en-US"/>
               <a:t>Fifth level</a:t>
             </a:r>
-            <a:endParaRPr lang="en-US"/>
           </a:p>
         </p:txBody>
       </p:sp>
@@ -547,7 +555,7 @@
           <a:p>
             <a:fld id="{5B5599DC-582D-4638-BEAE-3CBEED38C437}" type="slidenum">
               <a:rPr lang="en-US" smtClean="0"/>
-              <a:t>3</a:t>
+              <a:t>4</a:t>
             </a:fld>
             <a:endParaRPr lang="en-US"/>
           </a:p>
@@ -611,7 +619,6 @@
               <a:rPr lang="en-US"/>
               <a:t>Click to edit Master title style</a:t>
             </a:r>
-            <a:endParaRPr lang="en-US"/>
           </a:p>
         </p:txBody>
       </p:sp>
@@ -676,7 +683,6 @@
               <a:rPr lang="en-US"/>
               <a:t>Click to edit Master subtitle style</a:t>
             </a:r>
-            <a:endParaRPr lang="en-US"/>
           </a:p>
         </p:txBody>
       </p:sp>
@@ -697,7 +703,7 @@
           <a:p>
             <a:fld id="{85D76483-3A09-414D-A8CA-D66A9E9CB1A2}" type="datetimeFigureOut">
               <a:rPr lang="en-US" smtClean="0"/>
-              <a:t>1/22/2017</a:t>
+              <a:t>1/23/2017</a:t>
             </a:fld>
             <a:endParaRPr lang="en-US"/>
           </a:p>
@@ -794,7 +800,6 @@
               <a:rPr lang="en-US"/>
               <a:t>Click to edit Master title style</a:t>
             </a:r>
-            <a:endParaRPr lang="en-US"/>
           </a:p>
         </p:txBody>
       </p:sp>
@@ -846,7 +851,6 @@
               <a:rPr lang="en-US"/>
               <a:t>Fifth level</a:t>
             </a:r>
-            <a:endParaRPr lang="en-US"/>
           </a:p>
         </p:txBody>
       </p:sp>
@@ -867,7 +871,7 @@
           <a:p>
             <a:fld id="{85D76483-3A09-414D-A8CA-D66A9E9CB1A2}" type="datetimeFigureOut">
               <a:rPr lang="en-US" smtClean="0"/>
-              <a:t>1/22/2017</a:t>
+              <a:t>1/23/2017</a:t>
             </a:fld>
             <a:endParaRPr lang="en-US"/>
           </a:p>
@@ -969,7 +973,6 @@
               <a:rPr lang="en-US"/>
               <a:t>Click to edit Master title style</a:t>
             </a:r>
-            <a:endParaRPr lang="en-US"/>
           </a:p>
         </p:txBody>
       </p:sp>
@@ -1026,7 +1029,6 @@
               <a:rPr lang="en-US"/>
               <a:t>Fifth level</a:t>
             </a:r>
-            <a:endParaRPr lang="en-US"/>
           </a:p>
         </p:txBody>
       </p:sp>
@@ -1047,7 +1049,7 @@
           <a:p>
             <a:fld id="{85D76483-3A09-414D-A8CA-D66A9E9CB1A2}" type="datetimeFigureOut">
               <a:rPr lang="en-US" smtClean="0"/>
-              <a:t>1/22/2017</a:t>
+              <a:t>1/23/2017</a:t>
             </a:fld>
             <a:endParaRPr lang="en-US"/>
           </a:p>
@@ -1144,7 +1146,6 @@
               <a:rPr lang="en-US"/>
               <a:t>Click to edit Master title style</a:t>
             </a:r>
-            <a:endParaRPr lang="en-US"/>
           </a:p>
         </p:txBody>
       </p:sp>
@@ -1196,7 +1197,6 @@
               <a:rPr lang="en-US"/>
               <a:t>Fifth level</a:t>
             </a:r>
-            <a:endParaRPr lang="en-US"/>
           </a:p>
         </p:txBody>
       </p:sp>
@@ -1217,7 +1217,7 @@
           <a:p>
             <a:fld id="{85D76483-3A09-414D-A8CA-D66A9E9CB1A2}" type="datetimeFigureOut">
               <a:rPr lang="en-US" smtClean="0"/>
-              <a:t>1/22/2017</a:t>
+              <a:t>1/23/2017</a:t>
             </a:fld>
             <a:endParaRPr lang="en-US"/>
           </a:p>
@@ -1323,7 +1323,6 @@
               <a:rPr lang="en-US"/>
               <a:t>Click to edit Master title style</a:t>
             </a:r>
-            <a:endParaRPr lang="en-US"/>
           </a:p>
         </p:txBody>
       </p:sp>
@@ -1463,7 +1462,7 @@
           <a:p>
             <a:fld id="{85D76483-3A09-414D-A8CA-D66A9E9CB1A2}" type="datetimeFigureOut">
               <a:rPr lang="en-US" smtClean="0"/>
-              <a:t>1/22/2017</a:t>
+              <a:t>1/23/2017</a:t>
             </a:fld>
             <a:endParaRPr lang="en-US"/>
           </a:p>
@@ -1560,7 +1559,6 @@
               <a:rPr lang="en-US"/>
               <a:t>Click to edit Master title style</a:t>
             </a:r>
-            <a:endParaRPr lang="en-US"/>
           </a:p>
         </p:txBody>
       </p:sp>
@@ -1617,7 +1615,6 @@
               <a:rPr lang="en-US"/>
               <a:t>Fifth level</a:t>
             </a:r>
-            <a:endParaRPr lang="en-US"/>
           </a:p>
         </p:txBody>
       </p:sp>
@@ -1674,7 +1671,6 @@
               <a:rPr lang="en-US"/>
               <a:t>Fifth level</a:t>
             </a:r>
-            <a:endParaRPr lang="en-US"/>
           </a:p>
         </p:txBody>
       </p:sp>
@@ -1695,7 +1691,7 @@
           <a:p>
             <a:fld id="{85D76483-3A09-414D-A8CA-D66A9E9CB1A2}" type="datetimeFigureOut">
               <a:rPr lang="en-US" smtClean="0"/>
-              <a:t>1/22/2017</a:t>
+              <a:t>1/23/2017</a:t>
             </a:fld>
             <a:endParaRPr lang="en-US"/>
           </a:p>
@@ -1797,7 +1793,6 @@
               <a:rPr lang="en-US"/>
               <a:t>Click to edit Master title style</a:t>
             </a:r>
-            <a:endParaRPr lang="en-US"/>
           </a:p>
         </p:txBody>
       </p:sp>
@@ -1919,7 +1914,6 @@
               <a:rPr lang="en-US"/>
               <a:t>Fifth level</a:t>
             </a:r>
-            <a:endParaRPr lang="en-US"/>
           </a:p>
         </p:txBody>
       </p:sp>
@@ -2041,7 +2035,6 @@
               <a:rPr lang="en-US"/>
               <a:t>Fifth level</a:t>
             </a:r>
-            <a:endParaRPr lang="en-US"/>
           </a:p>
         </p:txBody>
       </p:sp>
@@ -2062,7 +2055,7 @@
           <a:p>
             <a:fld id="{85D76483-3A09-414D-A8CA-D66A9E9CB1A2}" type="datetimeFigureOut">
               <a:rPr lang="en-US" smtClean="0"/>
-              <a:t>1/22/2017</a:t>
+              <a:t>1/23/2017</a:t>
             </a:fld>
             <a:endParaRPr lang="en-US"/>
           </a:p>
@@ -2159,7 +2152,6 @@
               <a:rPr lang="en-US"/>
               <a:t>Click to edit Master title style</a:t>
             </a:r>
-            <a:endParaRPr lang="en-US"/>
           </a:p>
         </p:txBody>
       </p:sp>
@@ -2180,7 +2172,7 @@
           <a:p>
             <a:fld id="{85D76483-3A09-414D-A8CA-D66A9E9CB1A2}" type="datetimeFigureOut">
               <a:rPr lang="en-US" smtClean="0"/>
-              <a:t>1/22/2017</a:t>
+              <a:t>1/23/2017</a:t>
             </a:fld>
             <a:endParaRPr lang="en-US"/>
           </a:p>
@@ -2275,7 +2267,7 @@
           <a:p>
             <a:fld id="{85D76483-3A09-414D-A8CA-D66A9E9CB1A2}" type="datetimeFigureOut">
               <a:rPr lang="en-US" smtClean="0"/>
-              <a:t>1/22/2017</a:t>
+              <a:t>1/23/2017</a:t>
             </a:fld>
             <a:endParaRPr lang="en-US"/>
           </a:p>
@@ -2381,7 +2373,6 @@
               <a:rPr lang="en-US"/>
               <a:t>Click to edit Master title style</a:t>
             </a:r>
-            <a:endParaRPr lang="en-US"/>
           </a:p>
         </p:txBody>
       </p:sp>
@@ -2466,7 +2457,6 @@
               <a:rPr lang="en-US"/>
               <a:t>Fifth level</a:t>
             </a:r>
-            <a:endParaRPr lang="en-US"/>
           </a:p>
         </p:txBody>
       </p:sp>
@@ -2552,7 +2542,7 @@
           <a:p>
             <a:fld id="{85D76483-3A09-414D-A8CA-D66A9E9CB1A2}" type="datetimeFigureOut">
               <a:rPr lang="en-US" smtClean="0"/>
-              <a:t>1/22/2017</a:t>
+              <a:t>1/23/2017</a:t>
             </a:fld>
             <a:endParaRPr lang="en-US"/>
           </a:p>
@@ -2658,7 +2648,6 @@
               <a:rPr lang="en-US"/>
               <a:t>Click to edit Master title style</a:t>
             </a:r>
-            <a:endParaRPr lang="en-US"/>
           </a:p>
         </p:txBody>
       </p:sp>
@@ -2805,7 +2794,7 @@
           <a:p>
             <a:fld id="{85D76483-3A09-414D-A8CA-D66A9E9CB1A2}" type="datetimeFigureOut">
               <a:rPr lang="en-US" smtClean="0"/>
-              <a:t>1/22/2017</a:t>
+              <a:t>1/23/2017</a:t>
             </a:fld>
             <a:endParaRPr lang="en-US"/>
           </a:p>
@@ -2917,7 +2906,6 @@
               <a:rPr lang="en-US"/>
               <a:t>Click to edit Master title style</a:t>
             </a:r>
-            <a:endParaRPr lang="en-US"/>
           </a:p>
         </p:txBody>
       </p:sp>
@@ -2979,7 +2967,6 @@
               <a:rPr lang="en-US"/>
               <a:t>Fifth level</a:t>
             </a:r>
-            <a:endParaRPr lang="en-US"/>
           </a:p>
         </p:txBody>
       </p:sp>
@@ -3018,7 +3005,7 @@
           <a:p>
             <a:fld id="{85D76483-3A09-414D-A8CA-D66A9E9CB1A2}" type="datetimeFigureOut">
               <a:rPr lang="en-US" smtClean="0"/>
-              <a:t>1/22/2017</a:t>
+              <a:t>1/23/2017</a:t>
             </a:fld>
             <a:endParaRPr lang="en-US"/>
           </a:p>
@@ -3425,12 +3412,12 @@
       </p:grpSpPr>
       <p:sp>
         <p:nvSpPr>
-          <p:cNvPr id="2" name="Title 1"/>
+          <p:cNvPr id="2" name="標題 1"/>
           <p:cNvSpPr>
             <a:spLocks noGrp="1"/>
           </p:cNvSpPr>
           <p:nvPr>
-            <p:ph type="ctrTitle"/>
+            <p:ph type="title"/>
           </p:nvPr>
         </p:nvSpPr>
         <p:spPr/>
@@ -3438,22 +3425,18 @@
           <a:bodyPr/>
           <a:lstStyle/>
           <a:p>
-            <a:r>
-              <a:rPr lang="en-US" altLang="zh-TW" dirty="0"/>
-              <a:t>Hypothesis Testing</a:t>
-            </a:r>
-            <a:endParaRPr lang="en-US" dirty="0"/>
+            <a:endParaRPr lang="zh-TW" altLang="en-US"/>
           </a:p>
         </p:txBody>
       </p:sp>
       <p:sp>
         <p:nvSpPr>
-          <p:cNvPr id="3" name="Subtitle 2"/>
+          <p:cNvPr id="3" name="內容版面配置區 2"/>
           <p:cNvSpPr>
             <a:spLocks noGrp="1"/>
           </p:cNvSpPr>
           <p:nvPr>
-            <p:ph type="subTitle" idx="1"/>
+            <p:ph idx="1"/>
           </p:nvPr>
         </p:nvSpPr>
         <p:spPr/>
@@ -3461,45 +3444,1924 @@
           <a:bodyPr/>
           <a:lstStyle/>
           <a:p>
-            <a:r>
-              <a:rPr lang="en-US" dirty="0">
-                <a:solidFill>
-                  <a:schemeClr val="bg1">
-                    <a:lumMod val="50000"/>
-                  </a:schemeClr>
-                </a:solidFill>
-              </a:rPr>
-              <a:t>Lecture 5</a:t>
-            </a:r>
-          </a:p>
-          <a:p>
-            <a:r>
-              <a:rPr lang="en-US" dirty="0">
-                <a:solidFill>
-                  <a:schemeClr val="bg1">
-                    <a:lumMod val="50000"/>
-                  </a:schemeClr>
-                </a:solidFill>
-              </a:rPr>
-              <a:t>NRE 538</a:t>
-            </a:r>
+            <a:pPr marL="0" indent="0">
+              <a:buNone/>
+            </a:pPr>
+            <a:r>
+              <a:rPr lang="en-US" altLang="zh-TW" dirty="0" smtClean="0"/>
+              <a:t>Quiz time: 17:40-18:15</a:t>
+            </a:r>
+          </a:p>
+          <a:p>
+            <a:pPr marL="0" indent="0">
+              <a:buNone/>
+            </a:pPr>
+            <a:r>
+              <a:rPr lang="en-US" altLang="zh-TW" dirty="0" smtClean="0"/>
+              <a:t>Please also turn in the </a:t>
+            </a:r>
+            <a:r>
+              <a:rPr lang="en-US" altLang="zh-TW" dirty="0"/>
+              <a:t>e</a:t>
+            </a:r>
+            <a:r>
+              <a:rPr lang="en-US" altLang="zh-TW" dirty="0" smtClean="0"/>
+              <a:t>arly feed back form (ignore the back) </a:t>
+            </a:r>
+          </a:p>
+          <a:p>
+            <a:pPr marL="0" indent="0">
+              <a:buNone/>
+            </a:pPr>
+            <a:r>
+              <a:rPr lang="en-US" altLang="zh-TW" dirty="0" smtClean="0"/>
+              <a:t>My name is Oscar Chang</a:t>
+            </a:r>
+            <a:endParaRPr lang="zh-TW" altLang="en-US" dirty="0"/>
           </a:p>
         </p:txBody>
       </p:sp>
     </p:spTree>
     <p:extLst>
       <p:ext uri="{BB962C8B-B14F-4D97-AF65-F5344CB8AC3E}">
-        <p14:creationId xmlns:p14="http://schemas.microsoft.com/office/powerpoint/2010/main" val="304522111"/>
+        <p14:creationId xmlns:p14="http://schemas.microsoft.com/office/powerpoint/2010/main" val="3191002365"/>
       </p:ext>
     </p:extLst>
   </p:cSld>
   <p:clrMapOvr>
     <a:masterClrMapping/>
   </p:clrMapOvr>
+  <p:timing>
+    <p:tnLst>
+      <p:par>
+        <p:cTn id="1" dur="indefinite" restart="never" nodeType="tmRoot"/>
+      </p:par>
+    </p:tnLst>
+  </p:timing>
 </p:sld>
 </file>
 
 <file path=ppt/slides/slide10.xml><?xml version="1.0" encoding="utf-8"?>
+<p:sld xmlns:a="http://schemas.openxmlformats.org/drawingml/2006/main" xmlns:r="http://schemas.openxmlformats.org/officeDocument/2006/relationships" xmlns:p="http://schemas.openxmlformats.org/presentationml/2006/main">
+  <p:cSld>
+    <p:spTree>
+      <p:nvGrpSpPr>
+        <p:cNvPr id="1" name=""/>
+        <p:cNvGrpSpPr/>
+        <p:nvPr/>
+      </p:nvGrpSpPr>
+      <p:grpSpPr>
+        <a:xfrm>
+          <a:off x="0" y="0"/>
+          <a:ext cx="0" cy="0"/>
+          <a:chOff x="0" y="0"/>
+          <a:chExt cx="0" cy="0"/>
+        </a:xfrm>
+      </p:grpSpPr>
+      <p:sp>
+        <p:nvSpPr>
+          <p:cNvPr id="2" name="Title 1"/>
+          <p:cNvSpPr>
+            <a:spLocks noGrp="1"/>
+          </p:cNvSpPr>
+          <p:nvPr>
+            <p:ph type="title"/>
+          </p:nvPr>
+        </p:nvSpPr>
+        <p:spPr>
+          <a:xfrm>
+            <a:off x="0" y="0"/>
+            <a:ext cx="12192000" cy="1325563"/>
+          </a:xfrm>
+        </p:spPr>
+        <p:txBody>
+          <a:bodyPr/>
+          <a:lstStyle/>
+          <a:p>
+            <a:r>
+              <a:rPr lang="en-US" altLang="zh-TW" dirty="0"/>
+              <a:t>Null VS Alternative Hypothesis…examples</a:t>
+            </a:r>
+          </a:p>
+        </p:txBody>
+      </p:sp>
+      <p:sp>
+        <p:nvSpPr>
+          <p:cNvPr id="3" name="Content Placeholder 2"/>
+          <p:cNvSpPr>
+            <a:spLocks noGrp="1"/>
+          </p:cNvSpPr>
+          <p:nvPr>
+            <p:ph idx="1"/>
+          </p:nvPr>
+        </p:nvSpPr>
+        <p:spPr>
+          <a:xfrm>
+            <a:off x="0" y="1333849"/>
+            <a:ext cx="12192000" cy="5524151"/>
+          </a:xfrm>
+        </p:spPr>
+        <p:txBody>
+          <a:bodyPr>
+            <a:normAutofit lnSpcReduction="10000"/>
+          </a:bodyPr>
+          <a:lstStyle/>
+          <a:p>
+            <a:pPr marL="0" indent="0">
+              <a:buNone/>
+            </a:pPr>
+            <a:r>
+              <a:rPr lang="en-US" dirty="0">
+                <a:solidFill>
+                  <a:schemeClr val="bg1">
+                    <a:lumMod val="65000"/>
+                  </a:schemeClr>
+                </a:solidFill>
+              </a:rPr>
+              <a:t>Null Hypothesis (</a:t>
+            </a:r>
+            <a:r>
+              <a:rPr lang="en-US" i="1" dirty="0">
+                <a:solidFill>
+                  <a:schemeClr val="bg1">
+                    <a:lumMod val="65000"/>
+                  </a:schemeClr>
+                </a:solidFill>
+              </a:rPr>
+              <a:t>H</a:t>
+            </a:r>
+            <a:r>
+              <a:rPr lang="en-US" i="1" baseline="-25000" dirty="0">
+                <a:solidFill>
+                  <a:schemeClr val="bg1">
+                    <a:lumMod val="65000"/>
+                  </a:schemeClr>
+                </a:solidFill>
+              </a:rPr>
+              <a:t>0</a:t>
+            </a:r>
+            <a:r>
+              <a:rPr lang="en-US" dirty="0">
+                <a:solidFill>
+                  <a:schemeClr val="bg1">
+                    <a:lumMod val="65000"/>
+                  </a:schemeClr>
+                </a:solidFill>
+              </a:rPr>
+              <a:t>) : </a:t>
+            </a:r>
+          </a:p>
+          <a:p>
+            <a:pPr marL="0" indent="0">
+              <a:buNone/>
+            </a:pPr>
+            <a:r>
+              <a:rPr lang="en-US" dirty="0">
+                <a:solidFill>
+                  <a:schemeClr val="bg1">
+                    <a:lumMod val="65000"/>
+                  </a:schemeClr>
+                </a:solidFill>
+              </a:rPr>
+              <a:t>My average 10K running time (50 min; </a:t>
+            </a:r>
+            <a:r>
+              <a:rPr lang="en-US" i="1" dirty="0">
+                <a:solidFill>
+                  <a:schemeClr val="bg1">
+                    <a:lumMod val="65000"/>
+                  </a:schemeClr>
+                </a:solidFill>
+              </a:rPr>
+              <a:t>μ</a:t>
+            </a:r>
+            <a:r>
+              <a:rPr lang="en-US" i="1" baseline="-25000" dirty="0">
+                <a:solidFill>
+                  <a:schemeClr val="bg1">
+                    <a:lumMod val="65000"/>
+                  </a:schemeClr>
+                </a:solidFill>
+              </a:rPr>
+              <a:t>1</a:t>
+            </a:r>
+            <a:r>
+              <a:rPr lang="en-US" dirty="0">
+                <a:solidFill>
+                  <a:schemeClr val="bg1">
+                    <a:lumMod val="65000"/>
+                  </a:schemeClr>
+                </a:solidFill>
+              </a:rPr>
+              <a:t>) is not different from 55 min 52 s (</a:t>
+            </a:r>
+            <a:r>
+              <a:rPr lang="en-US" i="1" dirty="0">
+                <a:solidFill>
+                  <a:schemeClr val="bg1">
+                    <a:lumMod val="65000"/>
+                  </a:schemeClr>
+                </a:solidFill>
+              </a:rPr>
+              <a:t>μ</a:t>
+            </a:r>
+            <a:r>
+              <a:rPr lang="en-US" i="1" baseline="-25000" dirty="0">
+                <a:solidFill>
+                  <a:schemeClr val="bg1">
+                    <a:lumMod val="65000"/>
+                  </a:schemeClr>
+                </a:solidFill>
+              </a:rPr>
+              <a:t>2</a:t>
+            </a:r>
+            <a:r>
+              <a:rPr lang="en-US" dirty="0">
+                <a:solidFill>
+                  <a:schemeClr val="bg1">
+                    <a:lumMod val="65000"/>
+                  </a:schemeClr>
+                </a:solidFill>
+              </a:rPr>
+              <a:t>).  </a:t>
+            </a:r>
+          </a:p>
+          <a:p>
+            <a:pPr marL="0" indent="0">
+              <a:buNone/>
+            </a:pPr>
+            <a:r>
+              <a:rPr lang="en-US" dirty="0">
+                <a:solidFill>
+                  <a:schemeClr val="bg1">
+                    <a:lumMod val="65000"/>
+                  </a:schemeClr>
+                </a:solidFill>
+              </a:rPr>
+              <a:t>OR more statistically,</a:t>
+            </a:r>
+          </a:p>
+          <a:p>
+            <a:pPr marL="0" indent="0">
+              <a:buNone/>
+            </a:pPr>
+            <a:r>
+              <a:rPr lang="en-US" dirty="0">
+                <a:solidFill>
+                  <a:schemeClr val="bg1">
+                    <a:lumMod val="65000"/>
+                  </a:schemeClr>
+                </a:solidFill>
+              </a:rPr>
+              <a:t> </a:t>
+            </a:r>
+            <a:r>
+              <a:rPr lang="en-US" i="1" dirty="0">
+                <a:solidFill>
+                  <a:schemeClr val="bg1">
+                    <a:lumMod val="65000"/>
+                  </a:schemeClr>
+                </a:solidFill>
+              </a:rPr>
+              <a:t>μ</a:t>
+            </a:r>
+            <a:r>
+              <a:rPr lang="en-US" i="1" baseline="-25000" dirty="0">
+                <a:solidFill>
+                  <a:schemeClr val="bg1">
+                    <a:lumMod val="65000"/>
+                  </a:schemeClr>
+                </a:solidFill>
+              </a:rPr>
+              <a:t>1</a:t>
+            </a:r>
+            <a:r>
+              <a:rPr lang="en-US" baseline="-25000" dirty="0">
+                <a:solidFill>
+                  <a:schemeClr val="bg1">
+                    <a:lumMod val="65000"/>
+                  </a:schemeClr>
+                </a:solidFill>
+              </a:rPr>
+              <a:t> </a:t>
+            </a:r>
+            <a:r>
+              <a:rPr lang="en-US" dirty="0">
+                <a:solidFill>
+                  <a:schemeClr val="bg1">
+                    <a:lumMod val="65000"/>
+                  </a:schemeClr>
+                </a:solidFill>
+              </a:rPr>
+              <a:t>= </a:t>
+            </a:r>
+            <a:r>
+              <a:rPr lang="en-US" i="1" dirty="0">
+                <a:solidFill>
+                  <a:schemeClr val="bg1">
+                    <a:lumMod val="65000"/>
+                  </a:schemeClr>
+                </a:solidFill>
+              </a:rPr>
+              <a:t>μ</a:t>
+            </a:r>
+            <a:r>
+              <a:rPr lang="en-US" i="1" baseline="-25000" dirty="0">
+                <a:solidFill>
+                  <a:schemeClr val="bg1">
+                    <a:lumMod val="65000"/>
+                  </a:schemeClr>
+                </a:solidFill>
+              </a:rPr>
+              <a:t>2 </a:t>
+            </a:r>
+          </a:p>
+          <a:p>
+            <a:pPr marL="0" indent="0">
+              <a:buNone/>
+            </a:pPr>
+            <a:r>
+              <a:rPr lang="en-US" dirty="0">
+                <a:solidFill>
+                  <a:schemeClr val="bg1">
+                    <a:lumMod val="65000"/>
+                  </a:schemeClr>
+                </a:solidFill>
+              </a:rPr>
+              <a:t>, where </a:t>
+            </a:r>
+            <a:r>
+              <a:rPr lang="en-US" i="1" dirty="0">
+                <a:solidFill>
+                  <a:schemeClr val="bg1">
+                    <a:lumMod val="65000"/>
+                  </a:schemeClr>
+                </a:solidFill>
+              </a:rPr>
+              <a:t>μ</a:t>
+            </a:r>
+            <a:r>
+              <a:rPr lang="en-US" i="1" baseline="-25000" dirty="0">
+                <a:solidFill>
+                  <a:schemeClr val="bg1">
+                    <a:lumMod val="65000"/>
+                  </a:schemeClr>
+                </a:solidFill>
+              </a:rPr>
+              <a:t>1</a:t>
+            </a:r>
+            <a:r>
+              <a:rPr lang="en-US" i="1" dirty="0">
+                <a:solidFill>
+                  <a:schemeClr val="bg1">
+                    <a:lumMod val="65000"/>
+                  </a:schemeClr>
+                </a:solidFill>
+              </a:rPr>
+              <a:t> </a:t>
+            </a:r>
+            <a:r>
+              <a:rPr lang="en-US" dirty="0">
+                <a:solidFill>
+                  <a:schemeClr val="bg1">
+                    <a:lumMod val="65000"/>
+                  </a:schemeClr>
+                </a:solidFill>
+              </a:rPr>
+              <a:t>mean of population 1 and </a:t>
+            </a:r>
+            <a:r>
+              <a:rPr lang="en-US" i="1" dirty="0">
+                <a:solidFill>
+                  <a:schemeClr val="bg1">
+                    <a:lumMod val="65000"/>
+                  </a:schemeClr>
+                </a:solidFill>
+              </a:rPr>
+              <a:t>μ</a:t>
+            </a:r>
+            <a:r>
+              <a:rPr lang="en-US" i="1" baseline="-25000" dirty="0">
+                <a:solidFill>
+                  <a:schemeClr val="bg1">
+                    <a:lumMod val="65000"/>
+                  </a:schemeClr>
+                </a:solidFill>
+              </a:rPr>
+              <a:t>2</a:t>
+            </a:r>
+            <a:r>
+              <a:rPr lang="en-US" i="1" dirty="0">
+                <a:solidFill>
+                  <a:schemeClr val="bg1">
+                    <a:lumMod val="65000"/>
+                  </a:schemeClr>
+                </a:solidFill>
+              </a:rPr>
+              <a:t> </a:t>
+            </a:r>
+            <a:r>
+              <a:rPr lang="en-US" dirty="0">
+                <a:solidFill>
+                  <a:schemeClr val="bg1">
+                    <a:lumMod val="65000"/>
+                  </a:schemeClr>
+                </a:solidFill>
+              </a:rPr>
+              <a:t>mean of population 2</a:t>
+            </a:r>
+          </a:p>
+          <a:p>
+            <a:pPr marL="0" indent="0">
+              <a:buNone/>
+            </a:pPr>
+            <a:endParaRPr lang="en-US" dirty="0"/>
+          </a:p>
+          <a:p>
+            <a:pPr marL="0" indent="0">
+              <a:buNone/>
+            </a:pPr>
+            <a:r>
+              <a:rPr lang="en-US" dirty="0"/>
+              <a:t>Alternative Hypothesis (</a:t>
+            </a:r>
+            <a:r>
+              <a:rPr lang="en-US" i="1" dirty="0"/>
+              <a:t>H</a:t>
+            </a:r>
+            <a:r>
+              <a:rPr lang="en-US" i="1" baseline="-25000" dirty="0"/>
+              <a:t>a</a:t>
+            </a:r>
+            <a:r>
+              <a:rPr lang="en-US" dirty="0"/>
+              <a:t>) : </a:t>
+            </a:r>
+          </a:p>
+          <a:p>
+            <a:pPr marL="0" indent="0">
+              <a:buNone/>
+            </a:pPr>
+            <a:r>
+              <a:rPr lang="en-US" dirty="0"/>
+              <a:t>My average 10K running time (50 min; </a:t>
+            </a:r>
+            <a:r>
+              <a:rPr lang="en-US" i="1" dirty="0"/>
+              <a:t>μ</a:t>
+            </a:r>
+            <a:r>
+              <a:rPr lang="en-US" i="1" baseline="-25000" dirty="0"/>
+              <a:t>1</a:t>
+            </a:r>
+            <a:r>
+              <a:rPr lang="en-US" dirty="0"/>
+              <a:t>) is different from 55 min 52s (</a:t>
+            </a:r>
+            <a:r>
+              <a:rPr lang="en-US" i="1" dirty="0"/>
+              <a:t>μ</a:t>
+            </a:r>
+            <a:r>
+              <a:rPr lang="en-US" i="1" baseline="-25000" dirty="0"/>
+              <a:t>2</a:t>
+            </a:r>
+            <a:r>
+              <a:rPr lang="en-US" dirty="0"/>
+              <a:t>).  </a:t>
+            </a:r>
+          </a:p>
+          <a:p>
+            <a:pPr marL="0" indent="0">
+              <a:buNone/>
+            </a:pPr>
+            <a:r>
+              <a:rPr lang="en-US" dirty="0"/>
+              <a:t>OR more statistically,</a:t>
+            </a:r>
+          </a:p>
+          <a:p>
+            <a:pPr marL="0" indent="0">
+              <a:buNone/>
+            </a:pPr>
+            <a:r>
+              <a:rPr lang="en-US" dirty="0"/>
+              <a:t> </a:t>
+            </a:r>
+            <a:r>
+              <a:rPr lang="en-US" i="1" dirty="0"/>
+              <a:t>μ</a:t>
+            </a:r>
+            <a:r>
+              <a:rPr lang="en-US" i="1" baseline="-25000" dirty="0"/>
+              <a:t>1</a:t>
+            </a:r>
+            <a:r>
+              <a:rPr lang="en-US" dirty="0"/>
+              <a:t> ≠ </a:t>
+            </a:r>
+            <a:r>
+              <a:rPr lang="en-US" i="1" dirty="0"/>
+              <a:t>μ</a:t>
+            </a:r>
+            <a:r>
+              <a:rPr lang="en-US" i="1" baseline="-25000" dirty="0"/>
+              <a:t>2 </a:t>
+            </a:r>
+          </a:p>
+          <a:p>
+            <a:pPr marL="0" indent="0">
+              <a:buNone/>
+            </a:pPr>
+            <a:r>
+              <a:rPr lang="en-US" dirty="0"/>
+              <a:t>, where </a:t>
+            </a:r>
+            <a:r>
+              <a:rPr lang="en-US" i="1" dirty="0"/>
+              <a:t>μ</a:t>
+            </a:r>
+            <a:r>
+              <a:rPr lang="en-US" i="1" baseline="-25000" dirty="0"/>
+              <a:t>1</a:t>
+            </a:r>
+            <a:r>
+              <a:rPr lang="en-US" i="1" dirty="0"/>
+              <a:t> </a:t>
+            </a:r>
+            <a:r>
+              <a:rPr lang="en-US" dirty="0"/>
+              <a:t>mean of population 1 and </a:t>
+            </a:r>
+            <a:r>
+              <a:rPr lang="en-US" i="1" dirty="0"/>
+              <a:t>μ</a:t>
+            </a:r>
+            <a:r>
+              <a:rPr lang="en-US" i="1" baseline="-25000" dirty="0"/>
+              <a:t>2</a:t>
+            </a:r>
+            <a:r>
+              <a:rPr lang="en-US" i="1" dirty="0"/>
+              <a:t> </a:t>
+            </a:r>
+            <a:r>
+              <a:rPr lang="en-US" dirty="0"/>
+              <a:t>mean of population 2</a:t>
+            </a:r>
+          </a:p>
+          <a:p>
+            <a:pPr marL="0" indent="0">
+              <a:buNone/>
+            </a:pPr>
+            <a:endParaRPr lang="en-US" dirty="0"/>
+          </a:p>
+        </p:txBody>
+      </p:sp>
+    </p:spTree>
+    <p:extLst>
+      <p:ext uri="{BB962C8B-B14F-4D97-AF65-F5344CB8AC3E}">
+        <p14:creationId xmlns:p14="http://schemas.microsoft.com/office/powerpoint/2010/main" val="2748605613"/>
+      </p:ext>
+    </p:extLst>
+  </p:cSld>
+  <p:clrMapOvr>
+    <a:masterClrMapping/>
+  </p:clrMapOvr>
+  <p:timing>
+    <p:tnLst>
+      <p:par>
+        <p:cTn id="1" dur="indefinite" restart="never" nodeType="tmRoot"/>
+      </p:par>
+    </p:tnLst>
+  </p:timing>
+</p:sld>
+</file>
+
+<file path=ppt/slides/slide11.xml><?xml version="1.0" encoding="utf-8"?>
+<p:sld xmlns:a="http://schemas.openxmlformats.org/drawingml/2006/main" xmlns:r="http://schemas.openxmlformats.org/officeDocument/2006/relationships" xmlns:p="http://schemas.openxmlformats.org/presentationml/2006/main">
+  <p:cSld>
+    <p:spTree>
+      <p:nvGrpSpPr>
+        <p:cNvPr id="1" name=""/>
+        <p:cNvGrpSpPr/>
+        <p:nvPr/>
+      </p:nvGrpSpPr>
+      <p:grpSpPr>
+        <a:xfrm>
+          <a:off x="0" y="0"/>
+          <a:ext cx="0" cy="0"/>
+          <a:chOff x="0" y="0"/>
+          <a:chExt cx="0" cy="0"/>
+        </a:xfrm>
+      </p:grpSpPr>
+      <p:sp>
+        <p:nvSpPr>
+          <p:cNvPr id="2" name="Title 1"/>
+          <p:cNvSpPr>
+            <a:spLocks noGrp="1"/>
+          </p:cNvSpPr>
+          <p:nvPr>
+            <p:ph type="title"/>
+          </p:nvPr>
+        </p:nvSpPr>
+        <p:spPr>
+          <a:xfrm>
+            <a:off x="0" y="0"/>
+            <a:ext cx="12192000" cy="1325563"/>
+          </a:xfrm>
+        </p:spPr>
+        <p:txBody>
+          <a:bodyPr/>
+          <a:lstStyle/>
+          <a:p>
+            <a:r>
+              <a:rPr lang="en-US" altLang="zh-TW" dirty="0"/>
+              <a:t>Two Tail Hypothesis Test</a:t>
+            </a:r>
+          </a:p>
+        </p:txBody>
+      </p:sp>
+      <p:sp>
+        <p:nvSpPr>
+          <p:cNvPr id="9" name="Content Placeholder 2"/>
+          <p:cNvSpPr>
+            <a:spLocks noGrp="1"/>
+          </p:cNvSpPr>
+          <p:nvPr>
+            <p:ph idx="1"/>
+          </p:nvPr>
+        </p:nvSpPr>
+        <p:spPr>
+          <a:xfrm>
+            <a:off x="0" y="1333849"/>
+            <a:ext cx="12192000" cy="5524151"/>
+          </a:xfrm>
+        </p:spPr>
+        <p:txBody>
+          <a:bodyPr>
+            <a:normAutofit/>
+          </a:bodyPr>
+          <a:lstStyle/>
+          <a:p>
+            <a:pPr marL="0" indent="0">
+              <a:buNone/>
+            </a:pPr>
+            <a:r>
+              <a:rPr lang="en-US" altLang="zh-TW" dirty="0"/>
+              <a:t>H</a:t>
+            </a:r>
+            <a:r>
+              <a:rPr lang="en-US" altLang="zh-TW" baseline="-25000" dirty="0"/>
+              <a:t>0</a:t>
+            </a:r>
+            <a:r>
+              <a:rPr lang="en-US" altLang="zh-TW" dirty="0"/>
+              <a:t>: </a:t>
+            </a:r>
+            <a:r>
+              <a:rPr lang="en-US" i="1" dirty="0"/>
+              <a:t>μ</a:t>
+            </a:r>
+            <a:r>
+              <a:rPr lang="en-US" i="1" baseline="-25000" dirty="0"/>
+              <a:t>1</a:t>
+            </a:r>
+            <a:r>
+              <a:rPr lang="en-US" dirty="0"/>
+              <a:t> = </a:t>
+            </a:r>
+            <a:r>
+              <a:rPr lang="en-US" i="1" dirty="0"/>
+              <a:t>μ</a:t>
+            </a:r>
+            <a:r>
+              <a:rPr lang="en-US" i="1" baseline="-25000" dirty="0"/>
+              <a:t>2</a:t>
+            </a:r>
+          </a:p>
+          <a:p>
+            <a:pPr marL="0" indent="0">
+              <a:buNone/>
+            </a:pPr>
+            <a:r>
+              <a:rPr lang="en-US" altLang="zh-TW" dirty="0"/>
+              <a:t>H</a:t>
+            </a:r>
+            <a:r>
+              <a:rPr lang="en-US" altLang="zh-TW" baseline="-25000" dirty="0"/>
+              <a:t>a</a:t>
+            </a:r>
+            <a:r>
+              <a:rPr lang="en-US" altLang="zh-TW" dirty="0"/>
+              <a:t>: </a:t>
+            </a:r>
+            <a:r>
+              <a:rPr lang="en-US" i="1" dirty="0"/>
+              <a:t>μ</a:t>
+            </a:r>
+            <a:r>
+              <a:rPr lang="en-US" i="1" baseline="-25000" dirty="0"/>
+              <a:t>1</a:t>
+            </a:r>
+            <a:r>
+              <a:rPr lang="en-US" dirty="0"/>
+              <a:t> ≠ </a:t>
+            </a:r>
+            <a:r>
+              <a:rPr lang="en-US" i="1" dirty="0"/>
+              <a:t>μ</a:t>
+            </a:r>
+            <a:r>
+              <a:rPr lang="en-US" i="1" baseline="-25000" dirty="0"/>
+              <a:t>2</a:t>
+            </a:r>
+            <a:endParaRPr lang="en-US" altLang="zh-TW" dirty="0"/>
+          </a:p>
+          <a:p>
+            <a:pPr marL="0" indent="0">
+              <a:buNone/>
+            </a:pPr>
+            <a:endParaRPr lang="en-US" dirty="0"/>
+          </a:p>
+        </p:txBody>
+      </p:sp>
+      <p:grpSp>
+        <p:nvGrpSpPr>
+          <p:cNvPr id="3" name="Group 2"/>
+          <p:cNvGrpSpPr/>
+          <p:nvPr/>
+        </p:nvGrpSpPr>
+        <p:grpSpPr>
+          <a:xfrm>
+            <a:off x="2016789" y="1557380"/>
+            <a:ext cx="8271758" cy="4985855"/>
+            <a:chOff x="2016789" y="1557380"/>
+            <a:chExt cx="8271758" cy="4985855"/>
+          </a:xfrm>
+        </p:grpSpPr>
+        <p:pic>
+          <p:nvPicPr>
+            <p:cNvPr id="13" name="Picture 12"/>
+            <p:cNvPicPr>
+              <a:picLocks noChangeAspect="1"/>
+            </p:cNvPicPr>
+            <p:nvPr/>
+          </p:nvPicPr>
+          <p:blipFill rotWithShape="1">
+            <a:blip r:embed="rId2"/>
+            <a:srcRect t="7284" b="3855"/>
+            <a:stretch/>
+          </p:blipFill>
+          <p:spPr>
+            <a:xfrm>
+              <a:off x="2016789" y="2649843"/>
+              <a:ext cx="8271758" cy="3893392"/>
+            </a:xfrm>
+            <a:prstGeom prst="rect">
+              <a:avLst/>
+            </a:prstGeom>
+          </p:spPr>
+        </p:pic>
+        <p:sp>
+          <p:nvSpPr>
+            <p:cNvPr id="14" name="TextBox 13"/>
+            <p:cNvSpPr txBox="1"/>
+            <p:nvPr/>
+          </p:nvSpPr>
+          <p:spPr>
+            <a:xfrm>
+              <a:off x="2360875" y="2677514"/>
+              <a:ext cx="2443721" cy="646331"/>
+            </a:xfrm>
+            <a:prstGeom prst="rect">
+              <a:avLst/>
+            </a:prstGeom>
+            <a:noFill/>
+          </p:spPr>
+          <p:txBody>
+            <a:bodyPr wrap="square" rtlCol="0">
+              <a:spAutoFit/>
+            </a:bodyPr>
+            <a:lstStyle/>
+            <a:p>
+              <a:pPr algn="ctr"/>
+              <a:r>
+                <a:rPr lang="en-US" dirty="0"/>
+                <a:t>Distribution of Oscar’s 10K running time</a:t>
+              </a:r>
+            </a:p>
+          </p:txBody>
+        </p:sp>
+        <p:cxnSp>
+          <p:nvCxnSpPr>
+            <p:cNvPr id="18" name="Straight Arrow Connector 17"/>
+            <p:cNvCxnSpPr>
+              <a:cxnSpLocks/>
+            </p:cNvCxnSpPr>
+            <p:nvPr/>
+          </p:nvCxnSpPr>
+          <p:spPr>
+            <a:xfrm flipH="1">
+              <a:off x="6229076" y="2812077"/>
+              <a:ext cx="1" cy="3474720"/>
+            </a:xfrm>
+            <a:prstGeom prst="straightConnector1">
+              <a:avLst/>
+            </a:prstGeom>
+            <a:ln w="41275">
+              <a:solidFill>
+                <a:schemeClr val="tx1"/>
+              </a:solidFill>
+              <a:prstDash val="sysDot"/>
+              <a:tailEnd type="stealth" w="lg" len="lg"/>
+            </a:ln>
+          </p:spPr>
+          <p:style>
+            <a:lnRef idx="1">
+              <a:schemeClr val="accent1"/>
+            </a:lnRef>
+            <a:fillRef idx="0">
+              <a:schemeClr val="accent1"/>
+            </a:fillRef>
+            <a:effectRef idx="0">
+              <a:schemeClr val="accent1"/>
+            </a:effectRef>
+            <a:fontRef idx="minor">
+              <a:schemeClr val="tx1"/>
+            </a:fontRef>
+          </p:style>
+        </p:cxnSp>
+        <p:sp>
+          <p:nvSpPr>
+            <p:cNvPr id="16" name="TextBox 15"/>
+            <p:cNvSpPr txBox="1"/>
+            <p:nvPr/>
+          </p:nvSpPr>
+          <p:spPr>
+            <a:xfrm>
+              <a:off x="5271796" y="4814309"/>
+              <a:ext cx="1931437" cy="707886"/>
+            </a:xfrm>
+            <a:prstGeom prst="rect">
+              <a:avLst/>
+            </a:prstGeom>
+            <a:solidFill>
+              <a:schemeClr val="bg1"/>
+            </a:solidFill>
+          </p:spPr>
+          <p:txBody>
+            <a:bodyPr wrap="square" rtlCol="0">
+              <a:spAutoFit/>
+            </a:bodyPr>
+            <a:lstStyle/>
+            <a:p>
+              <a:pPr algn="ctr"/>
+              <a:r>
+                <a:rPr lang="en-US" sz="2000" dirty="0"/>
+                <a:t>Oscar’s avg. time</a:t>
+              </a:r>
+              <a:r>
+                <a:rPr lang="zh-TW" altLang="en-US" sz="2000" dirty="0"/>
+                <a:t> </a:t>
+              </a:r>
+              <a:r>
+                <a:rPr lang="en-US" altLang="zh-TW" sz="2000" dirty="0"/>
+                <a:t>(</a:t>
+              </a:r>
+              <a:r>
+                <a:rPr lang="en-US" sz="2000" i="1" dirty="0"/>
+                <a:t>μ</a:t>
+              </a:r>
+              <a:r>
+                <a:rPr lang="en-US" sz="2000" i="1" baseline="-25000" dirty="0"/>
+                <a:t>1</a:t>
+              </a:r>
+              <a:r>
+                <a:rPr lang="en-US" sz="2000" dirty="0"/>
+                <a:t>) =  3000s</a:t>
+              </a:r>
+            </a:p>
+          </p:txBody>
+        </p:sp>
+        <p:sp>
+          <p:nvSpPr>
+            <p:cNvPr id="21" name="TextBox 20"/>
+            <p:cNvSpPr txBox="1"/>
+            <p:nvPr/>
+          </p:nvSpPr>
+          <p:spPr>
+            <a:xfrm>
+              <a:off x="6567222" y="1563605"/>
+              <a:ext cx="2184896" cy="954107"/>
+            </a:xfrm>
+            <a:prstGeom prst="rect">
+              <a:avLst/>
+            </a:prstGeom>
+            <a:noFill/>
+          </p:spPr>
+          <p:txBody>
+            <a:bodyPr wrap="square" rtlCol="0">
+              <a:spAutoFit/>
+            </a:bodyPr>
+            <a:lstStyle/>
+            <a:p>
+              <a:pPr algn="ctr"/>
+              <a:r>
+                <a:rPr lang="en-US" sz="2800" dirty="0"/>
+                <a:t>Critical value to reject </a:t>
+              </a:r>
+              <a:r>
+                <a:rPr lang="en-US" sz="2800" i="1" dirty="0"/>
+                <a:t>H</a:t>
+              </a:r>
+              <a:r>
+                <a:rPr lang="en-US" sz="2800" i="1" baseline="-25000" dirty="0"/>
+                <a:t>0</a:t>
+              </a:r>
+            </a:p>
+          </p:txBody>
+        </p:sp>
+        <p:cxnSp>
+          <p:nvCxnSpPr>
+            <p:cNvPr id="22" name="Straight Arrow Connector 21"/>
+            <p:cNvCxnSpPr>
+              <a:cxnSpLocks/>
+            </p:cNvCxnSpPr>
+            <p:nvPr/>
+          </p:nvCxnSpPr>
+          <p:spPr>
+            <a:xfrm flipH="1">
+              <a:off x="7653557" y="2443305"/>
+              <a:ext cx="1" cy="3840480"/>
+            </a:xfrm>
+            <a:prstGeom prst="straightConnector1">
+              <a:avLst/>
+            </a:prstGeom>
+            <a:ln w="41275">
+              <a:solidFill>
+                <a:srgbClr val="00B050"/>
+              </a:solidFill>
+              <a:prstDash val="solid"/>
+              <a:tailEnd type="stealth" w="lg" len="lg"/>
+            </a:ln>
+          </p:spPr>
+          <p:style>
+            <a:lnRef idx="1">
+              <a:schemeClr val="accent1"/>
+            </a:lnRef>
+            <a:fillRef idx="0">
+              <a:schemeClr val="accent1"/>
+            </a:fillRef>
+            <a:effectRef idx="0">
+              <a:schemeClr val="accent1"/>
+            </a:effectRef>
+            <a:fontRef idx="minor">
+              <a:schemeClr val="tx1"/>
+            </a:fontRef>
+          </p:style>
+        </p:cxnSp>
+        <p:cxnSp>
+          <p:nvCxnSpPr>
+            <p:cNvPr id="17" name="Straight Arrow Connector 16"/>
+            <p:cNvCxnSpPr>
+              <a:cxnSpLocks/>
+            </p:cNvCxnSpPr>
+            <p:nvPr/>
+          </p:nvCxnSpPr>
+          <p:spPr>
+            <a:xfrm flipH="1">
+              <a:off x="4829493" y="2446409"/>
+              <a:ext cx="1" cy="3840480"/>
+            </a:xfrm>
+            <a:prstGeom prst="straightConnector1">
+              <a:avLst/>
+            </a:prstGeom>
+            <a:ln w="41275">
+              <a:solidFill>
+                <a:srgbClr val="00B050"/>
+              </a:solidFill>
+              <a:prstDash val="solid"/>
+              <a:tailEnd type="stealth" w="lg" len="lg"/>
+            </a:ln>
+          </p:spPr>
+          <p:style>
+            <a:lnRef idx="1">
+              <a:schemeClr val="accent1"/>
+            </a:lnRef>
+            <a:fillRef idx="0">
+              <a:schemeClr val="accent1"/>
+            </a:fillRef>
+            <a:effectRef idx="0">
+              <a:schemeClr val="accent1"/>
+            </a:effectRef>
+            <a:fontRef idx="minor">
+              <a:schemeClr val="tx1"/>
+            </a:fontRef>
+          </p:style>
+        </p:cxnSp>
+        <p:sp>
+          <p:nvSpPr>
+            <p:cNvPr id="23" name="TextBox 22"/>
+            <p:cNvSpPr txBox="1"/>
+            <p:nvPr/>
+          </p:nvSpPr>
+          <p:spPr>
+            <a:xfrm>
+              <a:off x="3752491" y="1557380"/>
+              <a:ext cx="2184896" cy="954107"/>
+            </a:xfrm>
+            <a:prstGeom prst="rect">
+              <a:avLst/>
+            </a:prstGeom>
+            <a:noFill/>
+          </p:spPr>
+          <p:txBody>
+            <a:bodyPr wrap="square" rtlCol="0">
+              <a:spAutoFit/>
+            </a:bodyPr>
+            <a:lstStyle/>
+            <a:p>
+              <a:pPr algn="ctr"/>
+              <a:r>
+                <a:rPr lang="en-US" sz="2800" dirty="0"/>
+                <a:t>Critical value to reject </a:t>
+              </a:r>
+              <a:r>
+                <a:rPr lang="en-US" sz="2800" i="1" dirty="0"/>
+                <a:t>H</a:t>
+              </a:r>
+              <a:r>
+                <a:rPr lang="en-US" sz="2800" i="1" baseline="-25000" dirty="0"/>
+                <a:t>0</a:t>
+              </a:r>
+            </a:p>
+          </p:txBody>
+        </p:sp>
+      </p:grpSp>
+      <p:sp>
+        <p:nvSpPr>
+          <p:cNvPr id="15" name="TextBox 14"/>
+          <p:cNvSpPr txBox="1"/>
+          <p:nvPr/>
+        </p:nvSpPr>
+        <p:spPr>
+          <a:xfrm>
+            <a:off x="3090449" y="6337611"/>
+            <a:ext cx="6329778" cy="523220"/>
+          </a:xfrm>
+          <a:prstGeom prst="rect">
+            <a:avLst/>
+          </a:prstGeom>
+          <a:noFill/>
+        </p:spPr>
+        <p:txBody>
+          <a:bodyPr wrap="square" rtlCol="0">
+            <a:spAutoFit/>
+          </a:bodyPr>
+          <a:lstStyle/>
+          <a:p>
+            <a:pPr algn="ctr"/>
+            <a:r>
+              <a:rPr lang="en-US" sz="2800" dirty="0"/>
+              <a:t>Seconds / 10K</a:t>
+            </a:r>
+          </a:p>
+        </p:txBody>
+      </p:sp>
+    </p:spTree>
+    <p:extLst>
+      <p:ext uri="{BB962C8B-B14F-4D97-AF65-F5344CB8AC3E}">
+        <p14:creationId xmlns:p14="http://schemas.microsoft.com/office/powerpoint/2010/main" val="3015476413"/>
+      </p:ext>
+    </p:extLst>
+  </p:cSld>
+  <p:clrMapOvr>
+    <a:masterClrMapping/>
+  </p:clrMapOvr>
+  <p:timing>
+    <p:tnLst>
+      <p:par>
+        <p:cTn id="1" dur="indefinite" restart="never" nodeType="tmRoot"/>
+      </p:par>
+    </p:tnLst>
+  </p:timing>
+</p:sld>
+</file>
+
+<file path=ppt/slides/slide12.xml><?xml version="1.0" encoding="utf-8"?>
+<p:sld xmlns:a="http://schemas.openxmlformats.org/drawingml/2006/main" xmlns:r="http://schemas.openxmlformats.org/officeDocument/2006/relationships" xmlns:p="http://schemas.openxmlformats.org/presentationml/2006/main">
+  <p:cSld>
+    <p:spTree>
+      <p:nvGrpSpPr>
+        <p:cNvPr id="1" name=""/>
+        <p:cNvGrpSpPr/>
+        <p:nvPr/>
+      </p:nvGrpSpPr>
+      <p:grpSpPr>
+        <a:xfrm>
+          <a:off x="0" y="0"/>
+          <a:ext cx="0" cy="0"/>
+          <a:chOff x="0" y="0"/>
+          <a:chExt cx="0" cy="0"/>
+        </a:xfrm>
+      </p:grpSpPr>
+      <p:sp>
+        <p:nvSpPr>
+          <p:cNvPr id="2" name="Title 1"/>
+          <p:cNvSpPr>
+            <a:spLocks noGrp="1"/>
+          </p:cNvSpPr>
+          <p:nvPr>
+            <p:ph type="title"/>
+          </p:nvPr>
+        </p:nvSpPr>
+        <p:spPr>
+          <a:xfrm>
+            <a:off x="0" y="0"/>
+            <a:ext cx="12192000" cy="1325563"/>
+          </a:xfrm>
+        </p:spPr>
+        <p:txBody>
+          <a:bodyPr/>
+          <a:lstStyle/>
+          <a:p>
+            <a:r>
+              <a:rPr lang="en-US" altLang="zh-TW" dirty="0"/>
+              <a:t>Null VS Alternative Hypothesis…examples</a:t>
+            </a:r>
+          </a:p>
+        </p:txBody>
+      </p:sp>
+      <p:sp>
+        <p:nvSpPr>
+          <p:cNvPr id="3" name="Content Placeholder 2"/>
+          <p:cNvSpPr>
+            <a:spLocks noGrp="1"/>
+          </p:cNvSpPr>
+          <p:nvPr>
+            <p:ph idx="1"/>
+          </p:nvPr>
+        </p:nvSpPr>
+        <p:spPr>
+          <a:xfrm>
+            <a:off x="0" y="1333849"/>
+            <a:ext cx="12192000" cy="5524151"/>
+          </a:xfrm>
+        </p:spPr>
+        <p:txBody>
+          <a:bodyPr>
+            <a:normAutofit lnSpcReduction="10000"/>
+          </a:bodyPr>
+          <a:lstStyle/>
+          <a:p>
+            <a:pPr marL="0" indent="0">
+              <a:buNone/>
+            </a:pPr>
+            <a:r>
+              <a:rPr lang="en-US" dirty="0"/>
+              <a:t>Null Hypothesis (</a:t>
+            </a:r>
+            <a:r>
+              <a:rPr lang="en-US" i="1" dirty="0"/>
+              <a:t>H</a:t>
+            </a:r>
+            <a:r>
+              <a:rPr lang="en-US" i="1" baseline="-25000" dirty="0"/>
+              <a:t>0</a:t>
+            </a:r>
+            <a:r>
+              <a:rPr lang="en-US" dirty="0"/>
+              <a:t>) : </a:t>
+            </a:r>
+          </a:p>
+          <a:p>
+            <a:pPr marL="0" indent="0">
+              <a:buNone/>
+            </a:pPr>
+            <a:r>
+              <a:rPr lang="en-US" dirty="0"/>
+              <a:t>My average 10K running time (50 min; </a:t>
+            </a:r>
+            <a:r>
+              <a:rPr lang="en-US" i="1" dirty="0"/>
+              <a:t>μ</a:t>
+            </a:r>
+            <a:r>
+              <a:rPr lang="en-US" i="1" baseline="-25000" dirty="0"/>
+              <a:t>1</a:t>
+            </a:r>
+            <a:r>
+              <a:rPr lang="en-US" dirty="0"/>
+              <a:t>) is </a:t>
+            </a:r>
+            <a:r>
+              <a:rPr lang="en-US" dirty="0" smtClean="0"/>
+              <a:t>shorter than 55 </a:t>
+            </a:r>
+            <a:r>
+              <a:rPr lang="en-US" dirty="0"/>
+              <a:t>min 52 s (</a:t>
+            </a:r>
+            <a:r>
+              <a:rPr lang="en-US" i="1" dirty="0"/>
+              <a:t>μ</a:t>
+            </a:r>
+            <a:r>
+              <a:rPr lang="en-US" i="1" baseline="-25000" dirty="0"/>
+              <a:t>2</a:t>
+            </a:r>
+            <a:r>
+              <a:rPr lang="en-US" dirty="0"/>
+              <a:t>).  </a:t>
+            </a:r>
+          </a:p>
+          <a:p>
+            <a:pPr marL="0" indent="0">
+              <a:buNone/>
+            </a:pPr>
+            <a:r>
+              <a:rPr lang="en-US" dirty="0"/>
+              <a:t>OR more statistically,</a:t>
+            </a:r>
+          </a:p>
+          <a:p>
+            <a:pPr marL="0" indent="0">
+              <a:buNone/>
+            </a:pPr>
+            <a:r>
+              <a:rPr lang="en-US" dirty="0"/>
+              <a:t> </a:t>
+            </a:r>
+            <a:r>
+              <a:rPr lang="en-US" i="1" dirty="0"/>
+              <a:t>μ</a:t>
+            </a:r>
+            <a:r>
+              <a:rPr lang="en-US" i="1" baseline="-25000" dirty="0"/>
+              <a:t>1</a:t>
+            </a:r>
+            <a:r>
+              <a:rPr lang="en-US" baseline="-25000" dirty="0"/>
+              <a:t> </a:t>
+            </a:r>
+            <a:r>
+              <a:rPr lang="en-US" altLang="zh-TW" dirty="0"/>
+              <a:t>≤</a:t>
+            </a:r>
+            <a:r>
+              <a:rPr lang="en-US" dirty="0" smtClean="0"/>
+              <a:t> </a:t>
+            </a:r>
+            <a:r>
+              <a:rPr lang="en-US" i="1" dirty="0"/>
+              <a:t>μ</a:t>
+            </a:r>
+            <a:r>
+              <a:rPr lang="en-US" i="1" baseline="-25000" dirty="0"/>
+              <a:t>2 </a:t>
+            </a:r>
+          </a:p>
+          <a:p>
+            <a:pPr marL="0" indent="0">
+              <a:buNone/>
+            </a:pPr>
+            <a:r>
+              <a:rPr lang="en-US" dirty="0"/>
+              <a:t>, where </a:t>
+            </a:r>
+            <a:r>
+              <a:rPr lang="en-US" i="1" dirty="0"/>
+              <a:t>μ</a:t>
+            </a:r>
+            <a:r>
+              <a:rPr lang="en-US" i="1" baseline="-25000" dirty="0"/>
+              <a:t>1</a:t>
+            </a:r>
+            <a:r>
+              <a:rPr lang="en-US" i="1" dirty="0"/>
+              <a:t> </a:t>
+            </a:r>
+            <a:r>
+              <a:rPr lang="en-US" dirty="0"/>
+              <a:t>mean of population 1 and </a:t>
+            </a:r>
+            <a:r>
+              <a:rPr lang="en-US" i="1" dirty="0"/>
+              <a:t>μ</a:t>
+            </a:r>
+            <a:r>
+              <a:rPr lang="en-US" i="1" baseline="-25000" dirty="0"/>
+              <a:t>2</a:t>
+            </a:r>
+            <a:r>
+              <a:rPr lang="en-US" i="1" dirty="0"/>
+              <a:t> </a:t>
+            </a:r>
+            <a:r>
+              <a:rPr lang="en-US" dirty="0"/>
+              <a:t>mean of population 2</a:t>
+            </a:r>
+          </a:p>
+          <a:p>
+            <a:pPr marL="0" indent="0">
+              <a:buNone/>
+            </a:pPr>
+            <a:endParaRPr lang="en-US" dirty="0"/>
+          </a:p>
+          <a:p>
+            <a:pPr marL="0" indent="0">
+              <a:buNone/>
+            </a:pPr>
+            <a:r>
+              <a:rPr lang="en-US" dirty="0"/>
+              <a:t>Alternative Hypothesis (</a:t>
+            </a:r>
+            <a:r>
+              <a:rPr lang="en-US" i="1" dirty="0"/>
+              <a:t>H</a:t>
+            </a:r>
+            <a:r>
+              <a:rPr lang="en-US" i="1" baseline="-25000" dirty="0"/>
+              <a:t>a</a:t>
+            </a:r>
+            <a:r>
+              <a:rPr lang="en-US" dirty="0"/>
+              <a:t>) : </a:t>
+            </a:r>
+          </a:p>
+          <a:p>
+            <a:pPr marL="0" indent="0">
+              <a:buNone/>
+            </a:pPr>
+            <a:r>
+              <a:rPr lang="en-US" dirty="0"/>
+              <a:t>My average 10K running time (50 min; </a:t>
+            </a:r>
+            <a:r>
+              <a:rPr lang="en-US" i="1" dirty="0"/>
+              <a:t>μ</a:t>
+            </a:r>
+            <a:r>
+              <a:rPr lang="en-US" i="1" baseline="-25000" dirty="0"/>
+              <a:t>1</a:t>
+            </a:r>
+            <a:r>
+              <a:rPr lang="en-US" dirty="0"/>
+              <a:t>) is </a:t>
+            </a:r>
+            <a:r>
+              <a:rPr lang="en-US" dirty="0" smtClean="0"/>
+              <a:t>longer than 55 </a:t>
+            </a:r>
+            <a:r>
+              <a:rPr lang="en-US" dirty="0"/>
+              <a:t>min 52s (</a:t>
+            </a:r>
+            <a:r>
+              <a:rPr lang="en-US" i="1" dirty="0"/>
+              <a:t>μ</a:t>
+            </a:r>
+            <a:r>
+              <a:rPr lang="en-US" i="1" baseline="-25000" dirty="0"/>
+              <a:t>2</a:t>
+            </a:r>
+            <a:r>
+              <a:rPr lang="en-US" dirty="0"/>
+              <a:t>).  </a:t>
+            </a:r>
+          </a:p>
+          <a:p>
+            <a:pPr marL="0" indent="0">
+              <a:buNone/>
+            </a:pPr>
+            <a:r>
+              <a:rPr lang="en-US" dirty="0"/>
+              <a:t>OR more statistically,</a:t>
+            </a:r>
+          </a:p>
+          <a:p>
+            <a:pPr marL="0" indent="0">
+              <a:buNone/>
+            </a:pPr>
+            <a:r>
+              <a:rPr lang="en-US" dirty="0"/>
+              <a:t> </a:t>
+            </a:r>
+            <a:r>
+              <a:rPr lang="en-US" i="1" dirty="0"/>
+              <a:t>μ</a:t>
+            </a:r>
+            <a:r>
+              <a:rPr lang="en-US" i="1" baseline="-25000" dirty="0"/>
+              <a:t>1</a:t>
+            </a:r>
+            <a:r>
+              <a:rPr lang="en-US" dirty="0"/>
+              <a:t> </a:t>
+            </a:r>
+            <a:r>
+              <a:rPr lang="en-US" dirty="0" smtClean="0"/>
+              <a:t>&gt; </a:t>
+            </a:r>
+            <a:r>
+              <a:rPr lang="en-US" i="1" dirty="0"/>
+              <a:t>μ</a:t>
+            </a:r>
+            <a:r>
+              <a:rPr lang="en-US" i="1" baseline="-25000" dirty="0"/>
+              <a:t>2 </a:t>
+            </a:r>
+          </a:p>
+          <a:p>
+            <a:pPr marL="0" indent="0">
+              <a:buNone/>
+            </a:pPr>
+            <a:r>
+              <a:rPr lang="en-US" dirty="0"/>
+              <a:t>, where </a:t>
+            </a:r>
+            <a:r>
+              <a:rPr lang="en-US" i="1" dirty="0"/>
+              <a:t>μ</a:t>
+            </a:r>
+            <a:r>
+              <a:rPr lang="en-US" i="1" baseline="-25000" dirty="0"/>
+              <a:t>1</a:t>
+            </a:r>
+            <a:r>
+              <a:rPr lang="en-US" i="1" dirty="0"/>
+              <a:t> </a:t>
+            </a:r>
+            <a:r>
+              <a:rPr lang="en-US" dirty="0"/>
+              <a:t>mean of population 1 and </a:t>
+            </a:r>
+            <a:r>
+              <a:rPr lang="en-US" i="1" dirty="0"/>
+              <a:t>μ</a:t>
+            </a:r>
+            <a:r>
+              <a:rPr lang="en-US" i="1" baseline="-25000" dirty="0"/>
+              <a:t>2</a:t>
+            </a:r>
+            <a:r>
+              <a:rPr lang="en-US" i="1" dirty="0"/>
+              <a:t> </a:t>
+            </a:r>
+            <a:r>
+              <a:rPr lang="en-US" dirty="0"/>
+              <a:t>mean of population 2</a:t>
+            </a:r>
+          </a:p>
+          <a:p>
+            <a:pPr marL="0" indent="0">
+              <a:buNone/>
+            </a:pPr>
+            <a:endParaRPr lang="en-US" dirty="0"/>
+          </a:p>
+        </p:txBody>
+      </p:sp>
+    </p:spTree>
+    <p:extLst>
+      <p:ext uri="{BB962C8B-B14F-4D97-AF65-F5344CB8AC3E}">
+        <p14:creationId xmlns:p14="http://schemas.microsoft.com/office/powerpoint/2010/main" val="627791211"/>
+      </p:ext>
+    </p:extLst>
+  </p:cSld>
+  <p:clrMapOvr>
+    <a:masterClrMapping/>
+  </p:clrMapOvr>
+  <p:timing>
+    <p:tnLst>
+      <p:par>
+        <p:cTn id="1" dur="indefinite" restart="never" nodeType="tmRoot"/>
+      </p:par>
+    </p:tnLst>
+  </p:timing>
+</p:sld>
+</file>
+
+<file path=ppt/slides/slide13.xml><?xml version="1.0" encoding="utf-8"?>
+<p:sld xmlns:a="http://schemas.openxmlformats.org/drawingml/2006/main" xmlns:r="http://schemas.openxmlformats.org/officeDocument/2006/relationships" xmlns:p="http://schemas.openxmlformats.org/presentationml/2006/main">
+  <p:cSld>
+    <p:spTree>
+      <p:nvGrpSpPr>
+        <p:cNvPr id="1" name=""/>
+        <p:cNvGrpSpPr/>
+        <p:nvPr/>
+      </p:nvGrpSpPr>
+      <p:grpSpPr>
+        <a:xfrm>
+          <a:off x="0" y="0"/>
+          <a:ext cx="0" cy="0"/>
+          <a:chOff x="0" y="0"/>
+          <a:chExt cx="0" cy="0"/>
+        </a:xfrm>
+      </p:grpSpPr>
+      <p:pic>
+        <p:nvPicPr>
+          <p:cNvPr id="12" name="Picture 11"/>
+          <p:cNvPicPr>
+            <a:picLocks noChangeAspect="1"/>
+          </p:cNvPicPr>
+          <p:nvPr/>
+        </p:nvPicPr>
+        <p:blipFill rotWithShape="1">
+          <a:blip r:embed="rId2"/>
+          <a:srcRect t="7194" b="4047"/>
+          <a:stretch/>
+        </p:blipFill>
+        <p:spPr>
+          <a:xfrm>
+            <a:off x="2016797" y="2651808"/>
+            <a:ext cx="8271758" cy="3888955"/>
+          </a:xfrm>
+          <a:prstGeom prst="rect">
+            <a:avLst/>
+          </a:prstGeom>
+        </p:spPr>
+      </p:pic>
+      <p:sp>
+        <p:nvSpPr>
+          <p:cNvPr id="2" name="Title 1"/>
+          <p:cNvSpPr>
+            <a:spLocks noGrp="1"/>
+          </p:cNvSpPr>
+          <p:nvPr>
+            <p:ph type="title"/>
+          </p:nvPr>
+        </p:nvSpPr>
+        <p:spPr>
+          <a:xfrm>
+            <a:off x="0" y="0"/>
+            <a:ext cx="12192000" cy="1325563"/>
+          </a:xfrm>
+        </p:spPr>
+        <p:txBody>
+          <a:bodyPr/>
+          <a:lstStyle/>
+          <a:p>
+            <a:r>
+              <a:rPr lang="en-US" altLang="zh-TW" dirty="0"/>
+              <a:t>One Tail Hypothesis Test</a:t>
+            </a:r>
+          </a:p>
+        </p:txBody>
+      </p:sp>
+      <p:sp>
+        <p:nvSpPr>
+          <p:cNvPr id="9" name="Content Placeholder 2"/>
+          <p:cNvSpPr>
+            <a:spLocks noGrp="1"/>
+          </p:cNvSpPr>
+          <p:nvPr>
+            <p:ph idx="1"/>
+          </p:nvPr>
+        </p:nvSpPr>
+        <p:spPr>
+          <a:xfrm>
+            <a:off x="0" y="1333849"/>
+            <a:ext cx="12192000" cy="5524151"/>
+          </a:xfrm>
+        </p:spPr>
+        <p:txBody>
+          <a:bodyPr>
+            <a:normAutofit/>
+          </a:bodyPr>
+          <a:lstStyle/>
+          <a:p>
+            <a:pPr marL="0" indent="0">
+              <a:buNone/>
+            </a:pPr>
+            <a:r>
+              <a:rPr lang="en-US" altLang="zh-TW" dirty="0"/>
+              <a:t>H</a:t>
+            </a:r>
+            <a:r>
+              <a:rPr lang="en-US" altLang="zh-TW" baseline="-25000" dirty="0"/>
+              <a:t>0</a:t>
+            </a:r>
+            <a:r>
+              <a:rPr lang="en-US" altLang="zh-TW" dirty="0"/>
+              <a:t>: </a:t>
+            </a:r>
+            <a:r>
+              <a:rPr lang="en-US" i="1" dirty="0"/>
+              <a:t>μ</a:t>
+            </a:r>
+            <a:r>
+              <a:rPr lang="en-US" i="1" baseline="-25000" dirty="0"/>
+              <a:t>1</a:t>
+            </a:r>
+            <a:r>
+              <a:rPr lang="en-US" dirty="0"/>
+              <a:t> ≤ </a:t>
+            </a:r>
+            <a:r>
+              <a:rPr lang="en-US" i="1" dirty="0"/>
+              <a:t>μ</a:t>
+            </a:r>
+            <a:r>
+              <a:rPr lang="en-US" i="1" baseline="-25000" dirty="0"/>
+              <a:t>2</a:t>
+            </a:r>
+          </a:p>
+          <a:p>
+            <a:pPr marL="0" indent="0">
+              <a:buNone/>
+            </a:pPr>
+            <a:r>
+              <a:rPr lang="en-US" altLang="zh-TW" dirty="0"/>
+              <a:t>H</a:t>
+            </a:r>
+            <a:r>
+              <a:rPr lang="en-US" altLang="zh-TW" baseline="-25000" dirty="0"/>
+              <a:t>a</a:t>
+            </a:r>
+            <a:r>
+              <a:rPr lang="en-US" altLang="zh-TW" dirty="0"/>
+              <a:t>: </a:t>
+            </a:r>
+            <a:r>
+              <a:rPr lang="en-US" i="1" dirty="0"/>
+              <a:t>μ</a:t>
+            </a:r>
+            <a:r>
+              <a:rPr lang="en-US" i="1" baseline="-25000" dirty="0"/>
+              <a:t>1</a:t>
+            </a:r>
+            <a:r>
+              <a:rPr lang="en-US" dirty="0"/>
+              <a:t> &gt; </a:t>
+            </a:r>
+            <a:r>
+              <a:rPr lang="en-US" i="1" dirty="0"/>
+              <a:t>μ</a:t>
+            </a:r>
+            <a:r>
+              <a:rPr lang="en-US" i="1" baseline="-25000" dirty="0"/>
+              <a:t>2</a:t>
+            </a:r>
+            <a:endParaRPr lang="en-US" altLang="zh-TW" dirty="0"/>
+          </a:p>
+          <a:p>
+            <a:pPr marL="0" indent="0">
+              <a:buNone/>
+            </a:pPr>
+            <a:endParaRPr lang="en-US" dirty="0"/>
+          </a:p>
+        </p:txBody>
+      </p:sp>
+      <p:sp>
+        <p:nvSpPr>
+          <p:cNvPr id="15" name="TextBox 14"/>
+          <p:cNvSpPr txBox="1"/>
+          <p:nvPr/>
+        </p:nvSpPr>
+        <p:spPr>
+          <a:xfrm>
+            <a:off x="3090449" y="6337611"/>
+            <a:ext cx="6329778" cy="523220"/>
+          </a:xfrm>
+          <a:prstGeom prst="rect">
+            <a:avLst/>
+          </a:prstGeom>
+          <a:noFill/>
+        </p:spPr>
+        <p:txBody>
+          <a:bodyPr wrap="square" rtlCol="0">
+            <a:spAutoFit/>
+          </a:bodyPr>
+          <a:lstStyle/>
+          <a:p>
+            <a:pPr algn="ctr"/>
+            <a:r>
+              <a:rPr lang="en-US" sz="2800" dirty="0"/>
+              <a:t>Seconds / 10K</a:t>
+            </a:r>
+          </a:p>
+        </p:txBody>
+      </p:sp>
+      <p:cxnSp>
+        <p:nvCxnSpPr>
+          <p:cNvPr id="18" name="Straight Arrow Connector 17"/>
+          <p:cNvCxnSpPr>
+            <a:cxnSpLocks/>
+          </p:cNvCxnSpPr>
+          <p:nvPr/>
+        </p:nvCxnSpPr>
+        <p:spPr>
+          <a:xfrm flipH="1">
+            <a:off x="6229076" y="2812077"/>
+            <a:ext cx="1" cy="3474720"/>
+          </a:xfrm>
+          <a:prstGeom prst="straightConnector1">
+            <a:avLst/>
+          </a:prstGeom>
+          <a:ln w="41275">
+            <a:solidFill>
+              <a:schemeClr val="tx1"/>
+            </a:solidFill>
+            <a:prstDash val="sysDot"/>
+            <a:tailEnd type="stealth" w="lg" len="lg"/>
+          </a:ln>
+        </p:spPr>
+        <p:style>
+          <a:lnRef idx="1">
+            <a:schemeClr val="accent1"/>
+          </a:lnRef>
+          <a:fillRef idx="0">
+            <a:schemeClr val="accent1"/>
+          </a:fillRef>
+          <a:effectRef idx="0">
+            <a:schemeClr val="accent1"/>
+          </a:effectRef>
+          <a:fontRef idx="minor">
+            <a:schemeClr val="tx1"/>
+          </a:fontRef>
+        </p:style>
+      </p:cxnSp>
+      <p:sp>
+        <p:nvSpPr>
+          <p:cNvPr id="16" name="TextBox 15"/>
+          <p:cNvSpPr txBox="1"/>
+          <p:nvPr/>
+        </p:nvSpPr>
+        <p:spPr>
+          <a:xfrm>
+            <a:off x="5271796" y="4814309"/>
+            <a:ext cx="1931437" cy="707886"/>
+          </a:xfrm>
+          <a:prstGeom prst="rect">
+            <a:avLst/>
+          </a:prstGeom>
+          <a:solidFill>
+            <a:schemeClr val="bg1"/>
+          </a:solidFill>
+        </p:spPr>
+        <p:txBody>
+          <a:bodyPr wrap="square" rtlCol="0">
+            <a:spAutoFit/>
+          </a:bodyPr>
+          <a:lstStyle/>
+          <a:p>
+            <a:pPr algn="ctr"/>
+            <a:r>
+              <a:rPr lang="en-US" sz="2000" dirty="0"/>
+              <a:t>Oscar’s avg. time</a:t>
+            </a:r>
+            <a:r>
+              <a:rPr lang="zh-TW" altLang="en-US" sz="2000" dirty="0"/>
+              <a:t> </a:t>
+            </a:r>
+            <a:r>
+              <a:rPr lang="en-US" altLang="zh-TW" sz="2000" dirty="0"/>
+              <a:t>(</a:t>
+            </a:r>
+            <a:r>
+              <a:rPr lang="en-US" sz="2000" i="1" dirty="0"/>
+              <a:t>μ</a:t>
+            </a:r>
+            <a:r>
+              <a:rPr lang="en-US" sz="2000" i="1" baseline="-25000" dirty="0"/>
+              <a:t>1</a:t>
+            </a:r>
+            <a:r>
+              <a:rPr lang="en-US" sz="2000" dirty="0"/>
+              <a:t>) =  3000s</a:t>
+            </a:r>
+          </a:p>
+        </p:txBody>
+      </p:sp>
+      <p:sp>
+        <p:nvSpPr>
+          <p:cNvPr id="21" name="TextBox 20"/>
+          <p:cNvSpPr txBox="1"/>
+          <p:nvPr/>
+        </p:nvSpPr>
+        <p:spPr>
+          <a:xfrm>
+            <a:off x="6567222" y="1563605"/>
+            <a:ext cx="2184896" cy="523220"/>
+          </a:xfrm>
+          <a:prstGeom prst="rect">
+            <a:avLst/>
+          </a:prstGeom>
+          <a:noFill/>
+        </p:spPr>
+        <p:txBody>
+          <a:bodyPr wrap="square" rtlCol="0">
+            <a:spAutoFit/>
+          </a:bodyPr>
+          <a:lstStyle/>
+          <a:p>
+            <a:pPr algn="ctr"/>
+            <a:r>
+              <a:rPr lang="en-US" sz="2800" dirty="0"/>
+              <a:t>Critical value to reject </a:t>
+            </a:r>
+            <a:r>
+              <a:rPr lang="en-US" sz="2800" i="1" dirty="0"/>
+              <a:t>H</a:t>
+            </a:r>
+            <a:r>
+              <a:rPr lang="en-US" sz="2800" i="1" baseline="-25000" dirty="0"/>
+              <a:t>0</a:t>
+            </a:r>
+          </a:p>
+        </p:txBody>
+      </p:sp>
+      <p:cxnSp>
+        <p:nvCxnSpPr>
+          <p:cNvPr id="22" name="Straight Arrow Connector 21"/>
+          <p:cNvCxnSpPr>
+            <a:cxnSpLocks/>
+          </p:cNvCxnSpPr>
+          <p:nvPr/>
+        </p:nvCxnSpPr>
+        <p:spPr>
+          <a:xfrm flipH="1">
+            <a:off x="7653557" y="2443305"/>
+            <a:ext cx="1" cy="3840480"/>
+          </a:xfrm>
+          <a:prstGeom prst="straightConnector1">
+            <a:avLst/>
+          </a:prstGeom>
+          <a:ln w="41275">
+            <a:solidFill>
+              <a:srgbClr val="00B050"/>
+            </a:solidFill>
+            <a:prstDash val="solid"/>
+            <a:tailEnd type="stealth" w="lg" len="lg"/>
+          </a:ln>
+        </p:spPr>
+        <p:style>
+          <a:lnRef idx="1">
+            <a:schemeClr val="accent1"/>
+          </a:lnRef>
+          <a:fillRef idx="0">
+            <a:schemeClr val="accent1"/>
+          </a:fillRef>
+          <a:effectRef idx="0">
+            <a:schemeClr val="accent1"/>
+          </a:effectRef>
+          <a:fontRef idx="minor">
+            <a:schemeClr val="tx1"/>
+          </a:fontRef>
+        </p:style>
+      </p:cxnSp>
+      <p:sp>
+        <p:nvSpPr>
+          <p:cNvPr id="23" name="TextBox 22"/>
+          <p:cNvSpPr txBox="1"/>
+          <p:nvPr/>
+        </p:nvSpPr>
+        <p:spPr>
+          <a:xfrm>
+            <a:off x="2360875" y="2677514"/>
+            <a:ext cx="2443721" cy="646331"/>
+          </a:xfrm>
+          <a:prstGeom prst="rect">
+            <a:avLst/>
+          </a:prstGeom>
+          <a:noFill/>
+        </p:spPr>
+        <p:txBody>
+          <a:bodyPr wrap="square" rtlCol="0">
+            <a:spAutoFit/>
+          </a:bodyPr>
+          <a:lstStyle/>
+          <a:p>
+            <a:pPr algn="ctr"/>
+            <a:r>
+              <a:rPr lang="en-US" dirty="0"/>
+              <a:t>Distribution of Oscar’s 10K running time</a:t>
+            </a:r>
+          </a:p>
+        </p:txBody>
+      </p:sp>
+    </p:spTree>
+    <p:extLst>
+      <p:ext uri="{BB962C8B-B14F-4D97-AF65-F5344CB8AC3E}">
+        <p14:creationId xmlns:p14="http://schemas.microsoft.com/office/powerpoint/2010/main" val="3215790126"/>
+      </p:ext>
+    </p:extLst>
+  </p:cSld>
+  <p:clrMapOvr>
+    <a:masterClrMapping/>
+  </p:clrMapOvr>
+  <p:timing>
+    <p:tnLst>
+      <p:par>
+        <p:cTn id="1" dur="indefinite" restart="never" nodeType="tmRoot"/>
+      </p:par>
+    </p:tnLst>
+  </p:timing>
+</p:sld>
+</file>
+
+<file path=ppt/slides/slide14.xml><?xml version="1.0" encoding="utf-8"?>
 <p:sld xmlns:a="http://schemas.openxmlformats.org/drawingml/2006/main" xmlns:r="http://schemas.openxmlformats.org/officeDocument/2006/relationships" xmlns:p="http://schemas.openxmlformats.org/presentationml/2006/main">
   <p:cSld>
     <p:spTree>
@@ -4651,11 +6513,6 @@
                         </a:rPr>
                         <a:t>)</a:t>
                       </a:r>
-                      <a:endParaRPr lang="en-US" b="0" dirty="0">
-                        <a:solidFill>
-                          <a:schemeClr val="tx1"/>
-                        </a:solidFill>
-                      </a:endParaRPr>
                     </a:p>
                   </a:txBody>
                   <a:tcPr anchor="ctr">
@@ -4726,10 +6583,17 @@
   <p:clrMapOvr>
     <a:masterClrMapping/>
   </p:clrMapOvr>
+  <p:timing>
+    <p:tnLst>
+      <p:par>
+        <p:cTn id="1" dur="indefinite" restart="never" nodeType="tmRoot"/>
+      </p:par>
+    </p:tnLst>
+  </p:timing>
 </p:sld>
 </file>
 
-<file path=ppt/slides/slide11.xml><?xml version="1.0" encoding="utf-8"?>
+<file path=ppt/slides/slide15.xml><?xml version="1.0" encoding="utf-8"?>
 <p:sld xmlns:a="http://schemas.openxmlformats.org/drawingml/2006/main" xmlns:r="http://schemas.openxmlformats.org/officeDocument/2006/relationships" xmlns:p="http://schemas.openxmlformats.org/presentationml/2006/main">
   <p:cSld>
     <p:spTree>
@@ -5875,11 +7739,6 @@
                         </a:rPr>
                         <a:t>)</a:t>
                       </a:r>
-                      <a:endParaRPr lang="en-US" b="0" dirty="0">
-                        <a:solidFill>
-                          <a:schemeClr val="tx1"/>
-                        </a:solidFill>
-                      </a:endParaRPr>
                     </a:p>
                   </a:txBody>
                   <a:tcPr anchor="ctr">
@@ -6008,11 +7867,6 @@
               </a:rPr>
               <a:t>2</a:t>
             </a:r>
-            <a:endParaRPr lang="en-US" sz="2800" i="1" baseline="-25000" dirty="0">
-              <a:solidFill>
-                <a:srgbClr val="0066FF"/>
-              </a:solidFill>
-            </a:endParaRPr>
           </a:p>
         </p:txBody>
       </p:sp>
@@ -6169,10 +8023,17 @@
   <p:clrMapOvr>
     <a:masterClrMapping/>
   </p:clrMapOvr>
+  <p:timing>
+    <p:tnLst>
+      <p:par>
+        <p:cTn id="1" dur="indefinite" restart="never" nodeType="tmRoot"/>
+      </p:par>
+    </p:tnLst>
+  </p:timing>
 </p:sld>
 </file>
 
-<file path=ppt/slides/slide12.xml><?xml version="1.0" encoding="utf-8"?>
+<file path=ppt/slides/slide16.xml><?xml version="1.0" encoding="utf-8"?>
 <p:sld xmlns:a="http://schemas.openxmlformats.org/drawingml/2006/main" xmlns:r="http://schemas.openxmlformats.org/officeDocument/2006/relationships" xmlns:p="http://schemas.openxmlformats.org/presentationml/2006/main">
   <p:cSld>
     <p:spTree>
@@ -7318,11 +9179,6 @@
                         </a:rPr>
                         <a:t>)</a:t>
                       </a:r>
-                      <a:endParaRPr lang="en-US" b="0" dirty="0">
-                        <a:solidFill>
-                          <a:schemeClr val="tx1"/>
-                        </a:solidFill>
-                      </a:endParaRPr>
                     </a:p>
                   </a:txBody>
                   <a:tcPr anchor="ctr">
@@ -7451,11 +9307,6 @@
               </a:rPr>
               <a:t>2</a:t>
             </a:r>
-            <a:endParaRPr lang="en-US" sz="2800" i="1" baseline="-25000" dirty="0">
-              <a:solidFill>
-                <a:srgbClr val="FF0000"/>
-              </a:solidFill>
-            </a:endParaRPr>
           </a:p>
         </p:txBody>
       </p:sp>
@@ -7817,11 +9668,6 @@
               </a:rPr>
               <a:t>2</a:t>
             </a:r>
-            <a:endParaRPr lang="en-US" sz="2800" i="1" baseline="-25000" dirty="0">
-              <a:solidFill>
-                <a:srgbClr val="0066FF"/>
-              </a:solidFill>
-            </a:endParaRPr>
           </a:p>
         </p:txBody>
       </p:sp>
@@ -7874,10 +9720,17 @@
   <p:clrMapOvr>
     <a:masterClrMapping/>
   </p:clrMapOvr>
+  <p:timing>
+    <p:tnLst>
+      <p:par>
+        <p:cTn id="1" dur="indefinite" restart="never" nodeType="tmRoot"/>
+      </p:par>
+    </p:tnLst>
+  </p:timing>
 </p:sld>
 </file>
 
-<file path=ppt/slides/slide13.xml><?xml version="1.0" encoding="utf-8"?>
+<file path=ppt/slides/slide17.xml><?xml version="1.0" encoding="utf-8"?>
 <p:sld xmlns:a="http://schemas.openxmlformats.org/drawingml/2006/main" xmlns:r="http://schemas.openxmlformats.org/officeDocument/2006/relationships" xmlns:p="http://schemas.openxmlformats.org/presentationml/2006/main">
   <p:cSld>
     <p:spTree>
@@ -9023,11 +10876,6 @@
                         </a:rPr>
                         <a:t>)</a:t>
                       </a:r>
-                      <a:endParaRPr lang="en-US" b="0" dirty="0">
-                        <a:solidFill>
-                          <a:schemeClr val="tx1"/>
-                        </a:solidFill>
-                      </a:endParaRPr>
                     </a:p>
                   </a:txBody>
                   <a:tcPr anchor="ctr">
@@ -9156,11 +11004,6 @@
               </a:rPr>
               <a:t>2</a:t>
             </a:r>
-            <a:endParaRPr lang="en-US" sz="2800" i="1" baseline="-25000" dirty="0">
-              <a:solidFill>
-                <a:srgbClr val="FF0000"/>
-              </a:solidFill>
-            </a:endParaRPr>
           </a:p>
         </p:txBody>
       </p:sp>
@@ -9307,11 +11150,6 @@
               </a:rPr>
               <a:t>2</a:t>
             </a:r>
-            <a:endParaRPr lang="en-US" sz="2800" i="1" baseline="-25000" dirty="0">
-              <a:solidFill>
-                <a:srgbClr val="0066FF"/>
-              </a:solidFill>
-            </a:endParaRPr>
           </a:p>
         </p:txBody>
       </p:sp>
@@ -9602,10 +11440,17 @@
   <p:clrMapOvr>
     <a:masterClrMapping/>
   </p:clrMapOvr>
+  <p:timing>
+    <p:tnLst>
+      <p:par>
+        <p:cTn id="1" dur="indefinite" restart="never" nodeType="tmRoot"/>
+      </p:par>
+    </p:tnLst>
+  </p:timing>
 </p:sld>
 </file>
 
-<file path=ppt/slides/slide14.xml><?xml version="1.0" encoding="utf-8"?>
+<file path=ppt/slides/slide18.xml><?xml version="1.0" encoding="utf-8"?>
 <p:sld xmlns:a="http://schemas.openxmlformats.org/drawingml/2006/main" xmlns:r="http://schemas.openxmlformats.org/officeDocument/2006/relationships" xmlns:p="http://schemas.openxmlformats.org/presentationml/2006/main">
   <p:cSld>
     <p:spTree>
@@ -10751,11 +12596,6 @@
                         </a:rPr>
                         <a:t>)</a:t>
                       </a:r>
-                      <a:endParaRPr lang="en-US" b="0" dirty="0">
-                        <a:solidFill>
-                          <a:schemeClr val="tx1"/>
-                        </a:solidFill>
-                      </a:endParaRPr>
                     </a:p>
                   </a:txBody>
                   <a:tcPr anchor="ctr">
@@ -10884,11 +12724,6 @@
               </a:rPr>
               <a:t>2</a:t>
             </a:r>
-            <a:endParaRPr lang="en-US" sz="2800" i="1" baseline="-25000" dirty="0">
-              <a:solidFill>
-                <a:srgbClr val="FF0000"/>
-              </a:solidFill>
-            </a:endParaRPr>
           </a:p>
         </p:txBody>
       </p:sp>
@@ -11035,11 +12870,6 @@
               </a:rPr>
               <a:t>2</a:t>
             </a:r>
-            <a:endParaRPr lang="en-US" sz="2800" i="1" baseline="-25000" dirty="0">
-              <a:solidFill>
-                <a:srgbClr val="0066FF"/>
-              </a:solidFill>
-            </a:endParaRPr>
           </a:p>
         </p:txBody>
       </p:sp>
@@ -11325,10 +13155,17 @@
   <p:clrMapOvr>
     <a:masterClrMapping/>
   </p:clrMapOvr>
+  <p:timing>
+    <p:tnLst>
+      <p:par>
+        <p:cTn id="1" dur="indefinite" restart="never" nodeType="tmRoot"/>
+      </p:par>
+    </p:tnLst>
+  </p:timing>
 </p:sld>
 </file>
 
-<file path=ppt/slides/slide15.xml><?xml version="1.0" encoding="utf-8"?>
+<file path=ppt/slides/slide19.xml><?xml version="1.0" encoding="utf-8"?>
 <p:sld xmlns:a="http://schemas.openxmlformats.org/drawingml/2006/main" xmlns:r="http://schemas.openxmlformats.org/officeDocument/2006/relationships" xmlns:p="http://schemas.openxmlformats.org/presentationml/2006/main">
   <p:cSld>
     <p:spTree>
@@ -12474,11 +14311,6 @@
                         </a:rPr>
                         <a:t>)</a:t>
                       </a:r>
-                      <a:endParaRPr lang="en-US" b="0" dirty="0">
-                        <a:solidFill>
-                          <a:schemeClr val="tx1"/>
-                        </a:solidFill>
-                      </a:endParaRPr>
                     </a:p>
                   </a:txBody>
                   <a:tcPr anchor="ctr">
@@ -12711,11 +14543,6 @@
               </a:rPr>
               <a:t>2</a:t>
             </a:r>
-            <a:endParaRPr lang="en-US" sz="2800" i="1" baseline="-25000" dirty="0">
-              <a:solidFill>
-                <a:srgbClr val="0066FF"/>
-              </a:solidFill>
-            </a:endParaRPr>
           </a:p>
         </p:txBody>
       </p:sp>
@@ -12768,10 +14595,117 @@
   <p:clrMapOvr>
     <a:masterClrMapping/>
   </p:clrMapOvr>
+  <p:timing>
+    <p:tnLst>
+      <p:par>
+        <p:cTn id="1" dur="indefinite" restart="never" nodeType="tmRoot"/>
+      </p:par>
+    </p:tnLst>
+  </p:timing>
 </p:sld>
 </file>
 
-<file path=ppt/slides/slide16.xml><?xml version="1.0" encoding="utf-8"?>
+<file path=ppt/slides/slide2.xml><?xml version="1.0" encoding="utf-8"?>
+<p:sld xmlns:a="http://schemas.openxmlformats.org/drawingml/2006/main" xmlns:r="http://schemas.openxmlformats.org/officeDocument/2006/relationships" xmlns:p="http://schemas.openxmlformats.org/presentationml/2006/main">
+  <p:cSld>
+    <p:spTree>
+      <p:nvGrpSpPr>
+        <p:cNvPr id="1" name=""/>
+        <p:cNvGrpSpPr/>
+        <p:nvPr/>
+      </p:nvGrpSpPr>
+      <p:grpSpPr>
+        <a:xfrm>
+          <a:off x="0" y="0"/>
+          <a:ext cx="0" cy="0"/>
+          <a:chOff x="0" y="0"/>
+          <a:chExt cx="0" cy="0"/>
+        </a:xfrm>
+      </p:grpSpPr>
+      <p:sp>
+        <p:nvSpPr>
+          <p:cNvPr id="2" name="Title 1"/>
+          <p:cNvSpPr>
+            <a:spLocks noGrp="1"/>
+          </p:cNvSpPr>
+          <p:nvPr>
+            <p:ph type="ctrTitle"/>
+          </p:nvPr>
+        </p:nvSpPr>
+        <p:spPr/>
+        <p:txBody>
+          <a:bodyPr/>
+          <a:lstStyle/>
+          <a:p>
+            <a:r>
+              <a:rPr lang="en-US" altLang="zh-TW" dirty="0"/>
+              <a:t>Hypothesis Testing</a:t>
+            </a:r>
+            <a:endParaRPr lang="en-US" dirty="0"/>
+          </a:p>
+        </p:txBody>
+      </p:sp>
+      <p:sp>
+        <p:nvSpPr>
+          <p:cNvPr id="3" name="Subtitle 2"/>
+          <p:cNvSpPr>
+            <a:spLocks noGrp="1"/>
+          </p:cNvSpPr>
+          <p:nvPr>
+            <p:ph type="subTitle" idx="1"/>
+          </p:nvPr>
+        </p:nvSpPr>
+        <p:spPr/>
+        <p:txBody>
+          <a:bodyPr/>
+          <a:lstStyle/>
+          <a:p>
+            <a:r>
+              <a:rPr lang="en-US" dirty="0">
+                <a:solidFill>
+                  <a:schemeClr val="bg1">
+                    <a:lumMod val="50000"/>
+                  </a:schemeClr>
+                </a:solidFill>
+              </a:rPr>
+              <a:t>Lecture 5</a:t>
+            </a:r>
+          </a:p>
+          <a:p>
+            <a:r>
+              <a:rPr lang="en-US" dirty="0">
+                <a:solidFill>
+                  <a:schemeClr val="bg1">
+                    <a:lumMod val="50000"/>
+                  </a:schemeClr>
+                </a:solidFill>
+              </a:rPr>
+              <a:t>NRE 538</a:t>
+            </a:r>
+          </a:p>
+        </p:txBody>
+      </p:sp>
+    </p:spTree>
+    <p:extLst>
+      <p:ext uri="{BB962C8B-B14F-4D97-AF65-F5344CB8AC3E}">
+        <p14:creationId xmlns:p14="http://schemas.microsoft.com/office/powerpoint/2010/main" val="304522111"/>
+      </p:ext>
+    </p:extLst>
+  </p:cSld>
+  <p:clrMapOvr>
+    <a:masterClrMapping/>
+  </p:clrMapOvr>
+  <p:timing>
+    <p:tnLst>
+      <p:par>
+        <p:cTn id="1" dur="indefinite" restart="never" nodeType="tmRoot"/>
+      </p:par>
+    </p:tnLst>
+  </p:timing>
+</p:sld>
+</file>
+
+<file path=ppt/slides/slide20.xml><?xml version="1.0" encoding="utf-8"?>
 <p:sld xmlns:a="http://schemas.openxmlformats.org/drawingml/2006/main" xmlns:r="http://schemas.openxmlformats.org/officeDocument/2006/relationships" xmlns:p="http://schemas.openxmlformats.org/presentationml/2006/main">
   <p:cSld>
     <p:spTree>
@@ -13917,11 +15851,6 @@
                         </a:rPr>
                         <a:t>)</a:t>
                       </a:r>
-                      <a:endParaRPr lang="en-US" b="0" dirty="0">
-                        <a:solidFill>
-                          <a:schemeClr val="tx1"/>
-                        </a:solidFill>
-                      </a:endParaRPr>
                     </a:p>
                   </a:txBody>
                   <a:tcPr anchor="ctr">
@@ -14154,11 +16083,6 @@
               </a:rPr>
               <a:t>2</a:t>
             </a:r>
-            <a:endParaRPr lang="en-US" sz="2800" i="1" baseline="-25000" dirty="0">
-              <a:solidFill>
-                <a:srgbClr val="0066FF"/>
-              </a:solidFill>
-            </a:endParaRPr>
           </a:p>
         </p:txBody>
       </p:sp>
@@ -14425,7 +16349,7 @@
           <p:nvPr/>
         </p:nvPicPr>
         <p:blipFill>
-          <a:blip r:embed="rId3">
+          <a:blip r:embed="rId3" cstate="hqprint">
             <a:extLst>
               <a:ext uri="{28A0092B-C50C-407E-A947-70E740481C1C}">
                 <a14:useLocalDpi xmlns:a14="http://schemas.microsoft.com/office/drawing/2010/main" val="0"/>
@@ -14467,10 +16391,17 @@
   <p:clrMapOvr>
     <a:masterClrMapping/>
   </p:clrMapOvr>
+  <p:timing>
+    <p:tnLst>
+      <p:par>
+        <p:cTn id="1" dur="indefinite" restart="never" nodeType="tmRoot"/>
+      </p:par>
+    </p:tnLst>
+  </p:timing>
 </p:sld>
 </file>
 
-<file path=ppt/slides/slide17.xml><?xml version="1.0" encoding="utf-8"?>
+<file path=ppt/slides/slide21.xml><?xml version="1.0" encoding="utf-8"?>
 <p:sld xmlns:a="http://schemas.openxmlformats.org/drawingml/2006/main" xmlns:r="http://schemas.openxmlformats.org/officeDocument/2006/relationships" xmlns:p="http://schemas.openxmlformats.org/presentationml/2006/main">
   <p:cSld>
     <p:spTree>
@@ -15616,11 +17547,6 @@
                         </a:rPr>
                         <a:t>)</a:t>
                       </a:r>
-                      <a:endParaRPr lang="en-US" b="0" dirty="0">
-                        <a:solidFill>
-                          <a:schemeClr val="tx1"/>
-                        </a:solidFill>
-                      </a:endParaRPr>
                     </a:p>
                   </a:txBody>
                   <a:tcPr anchor="ctr">
@@ -15853,11 +17779,6 @@
               </a:rPr>
               <a:t>2</a:t>
             </a:r>
-            <a:endParaRPr lang="en-US" sz="2800" i="1" baseline="-25000" dirty="0">
-              <a:solidFill>
-                <a:srgbClr val="0066FF"/>
-              </a:solidFill>
-            </a:endParaRPr>
           </a:p>
         </p:txBody>
       </p:sp>
@@ -16143,10 +18064,17 @@
   <p:clrMapOvr>
     <a:masterClrMapping/>
   </p:clrMapOvr>
+  <p:timing>
+    <p:tnLst>
+      <p:par>
+        <p:cTn id="1" dur="indefinite" restart="never" nodeType="tmRoot"/>
+      </p:par>
+    </p:tnLst>
+  </p:timing>
 </p:sld>
 </file>
 
-<file path=ppt/slides/slide18.xml><?xml version="1.0" encoding="utf-8"?>
+<file path=ppt/slides/slide22.xml><?xml version="1.0" encoding="utf-8"?>
 <p:sld xmlns:a="http://schemas.openxmlformats.org/drawingml/2006/main" xmlns:r="http://schemas.openxmlformats.org/officeDocument/2006/relationships" xmlns:p="http://schemas.openxmlformats.org/presentationml/2006/main">
   <p:cSld>
     <p:spTree>
@@ -17292,11 +19220,6 @@
                         </a:rPr>
                         <a:t>)</a:t>
                       </a:r>
-                      <a:endParaRPr lang="en-US" b="0" dirty="0">
-                        <a:solidFill>
-                          <a:schemeClr val="tx1"/>
-                        </a:solidFill>
-                      </a:endParaRPr>
                     </a:p>
                   </a:txBody>
                   <a:tcPr anchor="ctr">
@@ -17529,11 +19452,6 @@
               </a:rPr>
               <a:t>2</a:t>
             </a:r>
-            <a:endParaRPr lang="en-US" sz="2800" i="1" baseline="-25000" dirty="0">
-              <a:solidFill>
-                <a:srgbClr val="0066FF"/>
-              </a:solidFill>
-            </a:endParaRPr>
           </a:p>
         </p:txBody>
       </p:sp>
@@ -17818,10 +19736,17 @@
   <p:clrMapOvr>
     <a:masterClrMapping/>
   </p:clrMapOvr>
+  <p:timing>
+    <p:tnLst>
+      <p:par>
+        <p:cTn id="1" dur="indefinite" restart="never" nodeType="tmRoot"/>
+      </p:par>
+    </p:tnLst>
+  </p:timing>
 </p:sld>
 </file>
 
-<file path=ppt/slides/slide19.xml><?xml version="1.0" encoding="utf-8"?>
+<file path=ppt/slides/slide23.xml><?xml version="1.0" encoding="utf-8"?>
 <p:sld xmlns:a="http://schemas.openxmlformats.org/drawingml/2006/main" xmlns:r="http://schemas.openxmlformats.org/officeDocument/2006/relationships" xmlns:p="http://schemas.openxmlformats.org/presentationml/2006/main">
   <p:cSld>
     <p:spTree>
@@ -18967,11 +20892,6 @@
                         </a:rPr>
                         <a:t>)</a:t>
                       </a:r>
-                      <a:endParaRPr lang="en-US" b="0" dirty="0">
-                        <a:solidFill>
-                          <a:schemeClr val="tx1"/>
-                        </a:solidFill>
-                      </a:endParaRPr>
                     </a:p>
                   </a:txBody>
                   <a:tcPr anchor="ctr">
@@ -19132,112 +21052,17 @@
   <p:clrMapOvr>
     <a:masterClrMapping/>
   </p:clrMapOvr>
+  <p:timing>
+    <p:tnLst>
+      <p:par>
+        <p:cTn id="1" dur="indefinite" restart="never" nodeType="tmRoot"/>
+      </p:par>
+    </p:tnLst>
+  </p:timing>
 </p:sld>
 </file>
 
-<file path=ppt/slides/slide2.xml><?xml version="1.0" encoding="utf-8"?>
-<p:sld xmlns:a="http://schemas.openxmlformats.org/drawingml/2006/main" xmlns:r="http://schemas.openxmlformats.org/officeDocument/2006/relationships" xmlns:p="http://schemas.openxmlformats.org/presentationml/2006/main">
-  <p:cSld>
-    <p:spTree>
-      <p:nvGrpSpPr>
-        <p:cNvPr id="1" name=""/>
-        <p:cNvGrpSpPr/>
-        <p:nvPr/>
-      </p:nvGrpSpPr>
-      <p:grpSpPr>
-        <a:xfrm>
-          <a:off x="0" y="0"/>
-          <a:ext cx="0" cy="0"/>
-          <a:chOff x="0" y="0"/>
-          <a:chExt cx="0" cy="0"/>
-        </a:xfrm>
-      </p:grpSpPr>
-      <p:sp>
-        <p:nvSpPr>
-          <p:cNvPr id="2" name="Title 1"/>
-          <p:cNvSpPr>
-            <a:spLocks noGrp="1"/>
-          </p:cNvSpPr>
-          <p:nvPr>
-            <p:ph type="title"/>
-          </p:nvPr>
-        </p:nvSpPr>
-        <p:spPr>
-          <a:xfrm>
-            <a:off x="0" y="0"/>
-            <a:ext cx="12192000" cy="1325563"/>
-          </a:xfrm>
-        </p:spPr>
-        <p:txBody>
-          <a:bodyPr/>
-          <a:lstStyle/>
-          <a:p>
-            <a:r>
-              <a:rPr lang="en-US" dirty="0"/>
-              <a:t>Outline</a:t>
-            </a:r>
-          </a:p>
-        </p:txBody>
-      </p:sp>
-      <p:sp>
-        <p:nvSpPr>
-          <p:cNvPr id="3" name="Content Placeholder 2"/>
-          <p:cNvSpPr>
-            <a:spLocks noGrp="1"/>
-          </p:cNvSpPr>
-          <p:nvPr>
-            <p:ph idx="1"/>
-          </p:nvPr>
-        </p:nvSpPr>
-        <p:spPr>
-          <a:xfrm>
-            <a:off x="0" y="1333849"/>
-            <a:ext cx="12192000" cy="5524151"/>
-          </a:xfrm>
-        </p:spPr>
-        <p:txBody>
-          <a:bodyPr/>
-          <a:lstStyle/>
-          <a:p>
-            <a:r>
-              <a:rPr lang="en-US" dirty="0"/>
-              <a:t>Null VS Alternative Hypothesis</a:t>
-            </a:r>
-          </a:p>
-          <a:p>
-            <a:r>
-              <a:rPr lang="en-US" dirty="0"/>
-              <a:t>One- VS two Tail Hypothesis Test</a:t>
-            </a:r>
-          </a:p>
-          <a:p>
-            <a:r>
-              <a:rPr lang="en-US" dirty="0"/>
-              <a:t>Type I VS Type II Error</a:t>
-            </a:r>
-          </a:p>
-          <a:p>
-            <a:r>
-              <a:rPr lang="en-US" dirty="0"/>
-              <a:t>Hands-on example</a:t>
-            </a:r>
-          </a:p>
-        </p:txBody>
-      </p:sp>
-    </p:spTree>
-    <p:extLst>
-      <p:ext uri="{BB962C8B-B14F-4D97-AF65-F5344CB8AC3E}">
-        <p14:creationId xmlns:p14="http://schemas.microsoft.com/office/powerpoint/2010/main" val="693151232"/>
-      </p:ext>
-    </p:extLst>
-  </p:cSld>
-  <p:clrMapOvr>
-    <a:masterClrMapping/>
-  </p:clrMapOvr>
-</p:sld>
-</file>
-
-<file path=ppt/slides/slide20.xml><?xml version="1.0" encoding="utf-8"?>
+<file path=ppt/slides/slide24.xml><?xml version="1.0" encoding="utf-8"?>
 <p:sld xmlns:a="http://schemas.openxmlformats.org/drawingml/2006/main" xmlns:r="http://schemas.openxmlformats.org/officeDocument/2006/relationships" xmlns:p="http://schemas.openxmlformats.org/presentationml/2006/main">
   <p:cSld>
     <p:spTree>
@@ -19482,7 +21307,19 @@
             </a:pPr>
             <a:r>
               <a:rPr lang="en-US" dirty="0"/>
-              <a:t>Should we Reject or accept the null hypothesis (</a:t>
+              <a:t>Should we Reject or </a:t>
+            </a:r>
+            <a:r>
+              <a:rPr lang="en-US" smtClean="0"/>
+              <a:t>NOT Reject</a:t>
+            </a:r>
+            <a:r>
+              <a:rPr lang="en-US" smtClean="0"/>
+              <a:t> </a:t>
+            </a:r>
+            <a:r>
+              <a:rPr lang="en-US" dirty="0"/>
+              <a:t>the null hypothesis (</a:t>
             </a:r>
             <a:r>
               <a:rPr lang="en-US" i="1" dirty="0"/>
@@ -19524,6 +21361,13 @@
   <p:clrMapOvr>
     <a:masterClrMapping/>
   </p:clrMapOvr>
+  <p:timing>
+    <p:tnLst>
+      <p:par>
+        <p:cTn id="1" dur="indefinite" restart="never" nodeType="tmRoot"/>
+      </p:par>
+    </p:tnLst>
+  </p:timing>
 </p:sld>
 </file>
 
@@ -19565,12 +21409,8 @@
           <a:lstStyle/>
           <a:p>
             <a:r>
-              <a:rPr lang="en-US" altLang="zh-TW" dirty="0"/>
-              <a:t>What is a “</a:t>
-            </a:r>
-            <a:r>
               <a:rPr lang="en-US" dirty="0"/>
-              <a:t>Hypothesis” ?</a:t>
+              <a:t>Outline</a:t>
             </a:r>
           </a:p>
         </p:txBody>
@@ -19595,23 +21435,48 @@
           <a:bodyPr/>
           <a:lstStyle/>
           <a:p>
-            <a:pPr marL="0" indent="0">
-              <a:buNone/>
-            </a:pPr>
-            <a:endParaRPr lang="en-US" dirty="0"/>
+            <a:r>
+              <a:rPr lang="en-US" dirty="0"/>
+              <a:t>Null VS Alternative Hypothesis</a:t>
+            </a:r>
+          </a:p>
+          <a:p>
+            <a:r>
+              <a:rPr lang="en-US" dirty="0"/>
+              <a:t>One- VS two Tail Hypothesis Test</a:t>
+            </a:r>
+          </a:p>
+          <a:p>
+            <a:r>
+              <a:rPr lang="en-US" dirty="0"/>
+              <a:t>Type I VS Type II Error</a:t>
+            </a:r>
+          </a:p>
+          <a:p>
+            <a:r>
+              <a:rPr lang="en-US" dirty="0"/>
+              <a:t>Hands-on example</a:t>
+            </a:r>
           </a:p>
         </p:txBody>
       </p:sp>
     </p:spTree>
     <p:extLst>
       <p:ext uri="{BB962C8B-B14F-4D97-AF65-F5344CB8AC3E}">
-        <p14:creationId xmlns:p14="http://schemas.microsoft.com/office/powerpoint/2010/main" val="2214075355"/>
+        <p14:creationId xmlns:p14="http://schemas.microsoft.com/office/powerpoint/2010/main" val="693151232"/>
       </p:ext>
     </p:extLst>
   </p:cSld>
   <p:clrMapOvr>
     <a:masterClrMapping/>
   </p:clrMapOvr>
+  <p:timing>
+    <p:tnLst>
+      <p:par>
+        <p:cTn id="1" dur="indefinite" restart="never" nodeType="tmRoot"/>
+      </p:par>
+    </p:tnLst>
+  </p:timing>
 </p:sld>
 </file>
 
@@ -19683,6 +21548,101 @@
           <a:bodyPr/>
           <a:lstStyle/>
           <a:p>
+            <a:pPr marL="0" indent="0">
+              <a:buNone/>
+            </a:pPr>
+            <a:endParaRPr lang="en-US" dirty="0"/>
+          </a:p>
+        </p:txBody>
+      </p:sp>
+    </p:spTree>
+    <p:extLst>
+      <p:ext uri="{BB962C8B-B14F-4D97-AF65-F5344CB8AC3E}">
+        <p14:creationId xmlns:p14="http://schemas.microsoft.com/office/powerpoint/2010/main" val="2214075355"/>
+      </p:ext>
+    </p:extLst>
+  </p:cSld>
+  <p:clrMapOvr>
+    <a:masterClrMapping/>
+  </p:clrMapOvr>
+  <p:timing>
+    <p:tnLst>
+      <p:par>
+        <p:cTn id="1" dur="indefinite" restart="never" nodeType="tmRoot"/>
+      </p:par>
+    </p:tnLst>
+  </p:timing>
+</p:sld>
+</file>
+
+<file path=ppt/slides/slide5.xml><?xml version="1.0" encoding="utf-8"?>
+<p:sld xmlns:a="http://schemas.openxmlformats.org/drawingml/2006/main" xmlns:r="http://schemas.openxmlformats.org/officeDocument/2006/relationships" xmlns:p="http://schemas.openxmlformats.org/presentationml/2006/main">
+  <p:cSld>
+    <p:spTree>
+      <p:nvGrpSpPr>
+        <p:cNvPr id="1" name=""/>
+        <p:cNvGrpSpPr/>
+        <p:nvPr/>
+      </p:nvGrpSpPr>
+      <p:grpSpPr>
+        <a:xfrm>
+          <a:off x="0" y="0"/>
+          <a:ext cx="0" cy="0"/>
+          <a:chOff x="0" y="0"/>
+          <a:chExt cx="0" cy="0"/>
+        </a:xfrm>
+      </p:grpSpPr>
+      <p:sp>
+        <p:nvSpPr>
+          <p:cNvPr id="2" name="Title 1"/>
+          <p:cNvSpPr>
+            <a:spLocks noGrp="1"/>
+          </p:cNvSpPr>
+          <p:nvPr>
+            <p:ph type="title"/>
+          </p:nvPr>
+        </p:nvSpPr>
+        <p:spPr>
+          <a:xfrm>
+            <a:off x="0" y="0"/>
+            <a:ext cx="12192000" cy="1325563"/>
+          </a:xfrm>
+        </p:spPr>
+        <p:txBody>
+          <a:bodyPr/>
+          <a:lstStyle/>
+          <a:p>
+            <a:r>
+              <a:rPr lang="en-US" altLang="zh-TW" dirty="0"/>
+              <a:t>What is a “</a:t>
+            </a:r>
+            <a:r>
+              <a:rPr lang="en-US" dirty="0"/>
+              <a:t>Hypothesis” ?</a:t>
+            </a:r>
+          </a:p>
+        </p:txBody>
+      </p:sp>
+      <p:sp>
+        <p:nvSpPr>
+          <p:cNvPr id="3" name="Content Placeholder 2"/>
+          <p:cNvSpPr>
+            <a:spLocks noGrp="1"/>
+          </p:cNvSpPr>
+          <p:nvPr>
+            <p:ph idx="1"/>
+          </p:nvPr>
+        </p:nvSpPr>
+        <p:spPr>
+          <a:xfrm>
+            <a:off x="0" y="1333849"/>
+            <a:ext cx="12192000" cy="5524151"/>
+          </a:xfrm>
+        </p:spPr>
+        <p:txBody>
+          <a:bodyPr/>
+          <a:lstStyle/>
+          <a:p>
             <a:pPr>
               <a:buFontTx/>
               <a:buChar char="-"/>
@@ -19704,10 +21664,116 @@
   <p:clrMapOvr>
     <a:masterClrMapping/>
   </p:clrMapOvr>
+  <p:timing>
+    <p:tnLst>
+      <p:par>
+        <p:cTn id="1" dur="indefinite" restart="never" nodeType="tmRoot"/>
+      </p:par>
+    </p:tnLst>
+  </p:timing>
 </p:sld>
 </file>
 
-<file path=ppt/slides/slide5.xml><?xml version="1.0" encoding="utf-8"?>
+<file path=ppt/slides/slide6.xml><?xml version="1.0" encoding="utf-8"?>
+<p:sld xmlns:a="http://schemas.openxmlformats.org/drawingml/2006/main" xmlns:r="http://schemas.openxmlformats.org/officeDocument/2006/relationships" xmlns:p="http://schemas.openxmlformats.org/presentationml/2006/main">
+  <p:cSld>
+    <p:spTree>
+      <p:nvGrpSpPr>
+        <p:cNvPr id="1" name=""/>
+        <p:cNvGrpSpPr/>
+        <p:nvPr/>
+      </p:nvGrpSpPr>
+      <p:grpSpPr>
+        <a:xfrm>
+          <a:off x="0" y="0"/>
+          <a:ext cx="0" cy="0"/>
+          <a:chOff x="0" y="0"/>
+          <a:chExt cx="0" cy="0"/>
+        </a:xfrm>
+      </p:grpSpPr>
+      <p:sp>
+        <p:nvSpPr>
+          <p:cNvPr id="2" name="Title 1"/>
+          <p:cNvSpPr>
+            <a:spLocks noGrp="1"/>
+          </p:cNvSpPr>
+          <p:nvPr>
+            <p:ph type="title"/>
+          </p:nvPr>
+        </p:nvSpPr>
+        <p:spPr>
+          <a:xfrm>
+            <a:off x="0" y="0"/>
+            <a:ext cx="12192000" cy="1325563"/>
+          </a:xfrm>
+        </p:spPr>
+        <p:txBody>
+          <a:bodyPr/>
+          <a:lstStyle/>
+          <a:p>
+            <a:r>
+              <a:rPr lang="en-US" altLang="zh-TW" dirty="0"/>
+              <a:t>Null VS Alternative Hypothesis</a:t>
+            </a:r>
+          </a:p>
+        </p:txBody>
+      </p:sp>
+      <p:pic>
+        <p:nvPicPr>
+          <p:cNvPr id="4" name="Picture 3"/>
+          <p:cNvPicPr>
+            <a:picLocks noChangeAspect="1"/>
+          </p:cNvPicPr>
+          <p:nvPr/>
+        </p:nvPicPr>
+        <p:blipFill rotWithShape="1">
+          <a:blip r:embed="rId2">
+            <a:extLst>
+              <a:ext uri="{28A0092B-C50C-407E-A947-70E740481C1C}">
+                <a14:useLocalDpi xmlns:a14="http://schemas.microsoft.com/office/drawing/2010/main" val="0"/>
+              </a:ext>
+            </a:extLst>
+          </a:blip>
+          <a:srcRect b="4206"/>
+          <a:stretch/>
+        </p:blipFill>
+        <p:spPr>
+          <a:xfrm>
+            <a:off x="7234426" y="3932808"/>
+            <a:ext cx="4824410" cy="2599585"/>
+          </a:xfrm>
+          <a:prstGeom prst="rect">
+            <a:avLst/>
+          </a:prstGeom>
+          <a:ln>
+            <a:noFill/>
+          </a:ln>
+          <a:effectLst>
+            <a:softEdge rad="112500"/>
+          </a:effectLst>
+        </p:spPr>
+      </p:pic>
+    </p:spTree>
+    <p:extLst>
+      <p:ext uri="{BB962C8B-B14F-4D97-AF65-F5344CB8AC3E}">
+        <p14:creationId xmlns:p14="http://schemas.microsoft.com/office/powerpoint/2010/main" val="3375880687"/>
+      </p:ext>
+    </p:extLst>
+  </p:cSld>
+  <p:clrMapOvr>
+    <a:masterClrMapping/>
+  </p:clrMapOvr>
+  <p:timing>
+    <p:tnLst>
+      <p:par>
+        <p:cTn id="1" dur="indefinite" restart="never" nodeType="tmRoot"/>
+      </p:par>
+    </p:tnLst>
+  </p:timing>
+</p:sld>
+</file>
+
+<file path=ppt/slides/slide7.xml><?xml version="1.0" encoding="utf-8"?>
 <p:sld xmlns:a="http://schemas.openxmlformats.org/drawingml/2006/main" xmlns:r="http://schemas.openxmlformats.org/officeDocument/2006/relationships" xmlns:p="http://schemas.openxmlformats.org/presentationml/2006/main">
   <p:cSld>
     <p:spTree>
@@ -19851,1071 +21917,45 @@
                   </a:schemeClr>
                 </a:solidFill>
               </a:rPr>
-              <a:t>A general statement or default position that there is no relationship between two measured phenomena, or no association among groups</a:t>
-            </a:r>
-          </a:p>
-          <a:p>
-            <a:pPr marL="0" indent="0">
-              <a:buNone/>
-            </a:pPr>
-            <a:endParaRPr lang="en-US" dirty="0"/>
-          </a:p>
-          <a:p>
-            <a:pPr marL="0" indent="0">
-              <a:buNone/>
-            </a:pPr>
-            <a:r>
-              <a:rPr lang="en-US" dirty="0"/>
-              <a:t>Alternative Hypothesis (</a:t>
-            </a:r>
-            <a:r>
-              <a:rPr lang="en-US" i="1" dirty="0"/>
-              <a:t>H</a:t>
-            </a:r>
-            <a:r>
-              <a:rPr lang="en-US" i="1" baseline="-25000" dirty="0"/>
-              <a:t>a</a:t>
-            </a:r>
-            <a:r>
-              <a:rPr lang="en-US" dirty="0"/>
-              <a:t>)</a:t>
-            </a:r>
-          </a:p>
-          <a:p>
-            <a:pPr>
-              <a:buFontTx/>
-              <a:buChar char="-"/>
-            </a:pPr>
-            <a:r>
-              <a:rPr lang="en-US" dirty="0"/>
-              <a:t>The opposite of </a:t>
-            </a:r>
-            <a:r>
-              <a:rPr lang="en-US" i="1" dirty="0"/>
-              <a:t>H</a:t>
-            </a:r>
-            <a:r>
-              <a:rPr lang="en-US" i="1" baseline="-25000" dirty="0"/>
-              <a:t>0</a:t>
-            </a:r>
-            <a:endParaRPr lang="en-US" dirty="0"/>
+              <a:t>A general statement or default position that there is no relationship between two measured phenomena, or no association among </a:t>
+            </a:r>
+            <a:r>
+              <a:rPr lang="en-US" dirty="0" smtClean="0">
+                <a:solidFill>
+                  <a:schemeClr val="bg1">
+                    <a:lumMod val="50000"/>
+                  </a:schemeClr>
+                </a:solidFill>
+              </a:rPr>
+              <a:t>groups</a:t>
+            </a:r>
+            <a:endParaRPr lang="en-US" dirty="0">
+              <a:solidFill>
+                <a:schemeClr val="bg1">
+                  <a:lumMod val="50000"/>
+                </a:schemeClr>
+              </a:solidFill>
+            </a:endParaRPr>
           </a:p>
         </p:txBody>
       </p:sp>
     </p:spTree>
     <p:extLst>
       <p:ext uri="{BB962C8B-B14F-4D97-AF65-F5344CB8AC3E}">
-        <p14:creationId xmlns:p14="http://schemas.microsoft.com/office/powerpoint/2010/main" val="3375880687"/>
+        <p14:creationId xmlns:p14="http://schemas.microsoft.com/office/powerpoint/2010/main" val="1051257643"/>
       </p:ext>
     </p:extLst>
   </p:cSld>
   <p:clrMapOvr>
     <a:masterClrMapping/>
   </p:clrMapOvr>
-</p:sld>
-</file>
-
-<file path=ppt/slides/slide6.xml><?xml version="1.0" encoding="utf-8"?>
-<p:sld xmlns:a="http://schemas.openxmlformats.org/drawingml/2006/main" xmlns:r="http://schemas.openxmlformats.org/officeDocument/2006/relationships" xmlns:p="http://schemas.openxmlformats.org/presentationml/2006/main">
-  <p:cSld>
-    <p:spTree>
-      <p:nvGrpSpPr>
-        <p:cNvPr id="1" name=""/>
-        <p:cNvGrpSpPr/>
-        <p:nvPr/>
-      </p:nvGrpSpPr>
-      <p:grpSpPr>
-        <a:xfrm>
-          <a:off x="0" y="0"/>
-          <a:ext cx="0" cy="0"/>
-          <a:chOff x="0" y="0"/>
-          <a:chExt cx="0" cy="0"/>
-        </a:xfrm>
-      </p:grpSpPr>
-      <p:sp>
-        <p:nvSpPr>
-          <p:cNvPr id="2" name="Title 1"/>
-          <p:cNvSpPr>
-            <a:spLocks noGrp="1"/>
-          </p:cNvSpPr>
-          <p:nvPr>
-            <p:ph type="title"/>
-          </p:nvPr>
-        </p:nvSpPr>
-        <p:spPr>
-          <a:xfrm>
-            <a:off x="0" y="0"/>
-            <a:ext cx="12192000" cy="1325563"/>
-          </a:xfrm>
-        </p:spPr>
-        <p:txBody>
-          <a:bodyPr/>
-          <a:lstStyle/>
-          <a:p>
-            <a:r>
-              <a:rPr lang="en-US" altLang="zh-TW" dirty="0"/>
-              <a:t>Null VS Alternative Hypothesis…examples</a:t>
-            </a:r>
-          </a:p>
-        </p:txBody>
-      </p:sp>
-      <p:sp>
-        <p:nvSpPr>
-          <p:cNvPr id="3" name="Content Placeholder 2"/>
-          <p:cNvSpPr>
-            <a:spLocks noGrp="1"/>
-          </p:cNvSpPr>
-          <p:nvPr>
-            <p:ph idx="1"/>
-          </p:nvPr>
-        </p:nvSpPr>
-        <p:spPr>
-          <a:xfrm>
-            <a:off x="0" y="1333849"/>
-            <a:ext cx="12192000" cy="5524151"/>
-          </a:xfrm>
-        </p:spPr>
-        <p:txBody>
-          <a:bodyPr>
-            <a:normAutofit lnSpcReduction="10000"/>
-          </a:bodyPr>
-          <a:lstStyle/>
-          <a:p>
-            <a:pPr marL="0" indent="0">
-              <a:buNone/>
-            </a:pPr>
-            <a:r>
-              <a:rPr lang="en-US" dirty="0"/>
-              <a:t>Null Hypothesis (</a:t>
-            </a:r>
-            <a:r>
-              <a:rPr lang="en-US" i="1" dirty="0"/>
-              <a:t>H</a:t>
-            </a:r>
-            <a:r>
-              <a:rPr lang="en-US" i="1" baseline="-25000" dirty="0"/>
-              <a:t>0</a:t>
-            </a:r>
-            <a:r>
-              <a:rPr lang="en-US" dirty="0"/>
-              <a:t>) : </a:t>
-            </a:r>
-          </a:p>
-          <a:p>
-            <a:pPr marL="0" indent="0">
-              <a:buNone/>
-            </a:pPr>
-            <a:r>
-              <a:rPr lang="en-US" dirty="0"/>
-              <a:t>My average 10K running time (50 min; </a:t>
-            </a:r>
-            <a:r>
-              <a:rPr lang="en-US" i="1" dirty="0"/>
-              <a:t>μ</a:t>
-            </a:r>
-            <a:r>
-              <a:rPr lang="en-US" i="1" baseline="-25000" dirty="0"/>
-              <a:t>1</a:t>
-            </a:r>
-            <a:r>
-              <a:rPr lang="en-US" dirty="0"/>
-              <a:t>) is not different from 55 min 52s (</a:t>
-            </a:r>
-            <a:r>
-              <a:rPr lang="en-US" i="1" dirty="0"/>
-              <a:t>μ</a:t>
-            </a:r>
-            <a:r>
-              <a:rPr lang="en-US" i="1" baseline="-25000" dirty="0"/>
-              <a:t>2</a:t>
-            </a:r>
-            <a:r>
-              <a:rPr lang="en-US" dirty="0"/>
-              <a:t>).  </a:t>
-            </a:r>
-          </a:p>
-          <a:p>
-            <a:pPr marL="0" indent="0">
-              <a:buNone/>
-            </a:pPr>
-            <a:r>
-              <a:rPr lang="en-US" dirty="0"/>
-              <a:t>OR more statistically,</a:t>
-            </a:r>
-          </a:p>
-          <a:p>
-            <a:pPr marL="0" indent="0">
-              <a:buNone/>
-            </a:pPr>
-            <a:r>
-              <a:rPr lang="en-US" dirty="0"/>
-              <a:t> </a:t>
-            </a:r>
-            <a:r>
-              <a:rPr lang="en-US" i="1" dirty="0"/>
-              <a:t>μ</a:t>
-            </a:r>
-            <a:r>
-              <a:rPr lang="en-US" i="1" baseline="-25000" dirty="0"/>
-              <a:t>1</a:t>
-            </a:r>
-            <a:r>
-              <a:rPr lang="en-US" baseline="-25000" dirty="0"/>
-              <a:t> </a:t>
-            </a:r>
-            <a:r>
-              <a:rPr lang="en-US" dirty="0"/>
-              <a:t>= </a:t>
-            </a:r>
-            <a:r>
-              <a:rPr lang="en-US" i="1" dirty="0"/>
-              <a:t>μ</a:t>
-            </a:r>
-            <a:r>
-              <a:rPr lang="en-US" i="1" baseline="-25000" dirty="0"/>
-              <a:t>2 </a:t>
-            </a:r>
-          </a:p>
-          <a:p>
-            <a:pPr marL="0" indent="0">
-              <a:buNone/>
-            </a:pPr>
-            <a:r>
-              <a:rPr lang="en-US" dirty="0"/>
-              <a:t>, where </a:t>
-            </a:r>
-            <a:r>
-              <a:rPr lang="en-US" i="1" dirty="0"/>
-              <a:t>μ</a:t>
-            </a:r>
-            <a:r>
-              <a:rPr lang="en-US" i="1" baseline="-25000" dirty="0"/>
-              <a:t>1</a:t>
-            </a:r>
-            <a:r>
-              <a:rPr lang="en-US" i="1" dirty="0"/>
-              <a:t> </a:t>
-            </a:r>
-            <a:r>
-              <a:rPr lang="en-US" dirty="0"/>
-              <a:t>mean of population 1 and </a:t>
-            </a:r>
-            <a:r>
-              <a:rPr lang="en-US" i="1" dirty="0"/>
-              <a:t>μ</a:t>
-            </a:r>
-            <a:r>
-              <a:rPr lang="en-US" i="1" baseline="-25000" dirty="0"/>
-              <a:t>2</a:t>
-            </a:r>
-            <a:r>
-              <a:rPr lang="en-US" i="1" dirty="0"/>
-              <a:t> </a:t>
-            </a:r>
-            <a:r>
-              <a:rPr lang="en-US" dirty="0"/>
-              <a:t>mean of population 2</a:t>
-            </a:r>
-          </a:p>
-          <a:p>
-            <a:pPr marL="0" indent="0">
-              <a:buNone/>
-            </a:pPr>
-            <a:endParaRPr lang="en-US" dirty="0">
-              <a:solidFill>
-                <a:schemeClr val="bg1"/>
-              </a:solidFill>
-            </a:endParaRPr>
-          </a:p>
-          <a:p>
-            <a:pPr marL="0" indent="0">
-              <a:buNone/>
-            </a:pPr>
-            <a:r>
-              <a:rPr lang="en-US" dirty="0">
-                <a:solidFill>
-                  <a:schemeClr val="bg1"/>
-                </a:solidFill>
-              </a:rPr>
-              <a:t>Alternative Hypothesis (</a:t>
-            </a:r>
-            <a:r>
-              <a:rPr lang="en-US" i="1" dirty="0">
-                <a:solidFill>
-                  <a:schemeClr val="bg1"/>
-                </a:solidFill>
-              </a:rPr>
-              <a:t>H</a:t>
-            </a:r>
-            <a:r>
-              <a:rPr lang="en-US" i="1" baseline="-25000" dirty="0">
-                <a:solidFill>
-                  <a:schemeClr val="bg1"/>
-                </a:solidFill>
-              </a:rPr>
-              <a:t>a</a:t>
-            </a:r>
-            <a:r>
-              <a:rPr lang="en-US" dirty="0">
-                <a:solidFill>
-                  <a:schemeClr val="bg1"/>
-                </a:solidFill>
-              </a:rPr>
-              <a:t>) : </a:t>
-            </a:r>
-          </a:p>
-          <a:p>
-            <a:pPr marL="0" indent="0">
-              <a:buNone/>
-            </a:pPr>
-            <a:r>
-              <a:rPr lang="en-US" dirty="0">
-                <a:solidFill>
-                  <a:schemeClr val="bg1"/>
-                </a:solidFill>
-              </a:rPr>
-              <a:t>My average 10K running time (50 min; </a:t>
-            </a:r>
-            <a:r>
-              <a:rPr lang="en-US" i="1" dirty="0">
-                <a:solidFill>
-                  <a:schemeClr val="bg1"/>
-                </a:solidFill>
-              </a:rPr>
-              <a:t>μ</a:t>
-            </a:r>
-            <a:r>
-              <a:rPr lang="en-US" i="1" baseline="-25000" dirty="0">
-                <a:solidFill>
-                  <a:schemeClr val="bg1"/>
-                </a:solidFill>
-              </a:rPr>
-              <a:t>1</a:t>
-            </a:r>
-            <a:r>
-              <a:rPr lang="en-US" dirty="0">
-                <a:solidFill>
-                  <a:schemeClr val="bg1"/>
-                </a:solidFill>
-              </a:rPr>
-              <a:t>) is different from 55 min 52s (</a:t>
-            </a:r>
-            <a:r>
-              <a:rPr lang="en-US" i="1" dirty="0">
-                <a:solidFill>
-                  <a:schemeClr val="bg1"/>
-                </a:solidFill>
-              </a:rPr>
-              <a:t>μ</a:t>
-            </a:r>
-            <a:r>
-              <a:rPr lang="en-US" i="1" baseline="-25000" dirty="0">
-                <a:solidFill>
-                  <a:schemeClr val="bg1"/>
-                </a:solidFill>
-              </a:rPr>
-              <a:t>2</a:t>
-            </a:r>
-            <a:r>
-              <a:rPr lang="en-US" dirty="0">
-                <a:solidFill>
-                  <a:schemeClr val="bg1"/>
-                </a:solidFill>
-              </a:rPr>
-              <a:t>).  </a:t>
-            </a:r>
-          </a:p>
-          <a:p>
-            <a:pPr marL="0" indent="0">
-              <a:buNone/>
-            </a:pPr>
-            <a:r>
-              <a:rPr lang="en-US" dirty="0">
-                <a:solidFill>
-                  <a:schemeClr val="bg1"/>
-                </a:solidFill>
-              </a:rPr>
-              <a:t>OR more statistically,</a:t>
-            </a:r>
-          </a:p>
-          <a:p>
-            <a:pPr marL="0" indent="0">
-              <a:buNone/>
-            </a:pPr>
-            <a:r>
-              <a:rPr lang="en-US" dirty="0">
-                <a:solidFill>
-                  <a:schemeClr val="bg1"/>
-                </a:solidFill>
-              </a:rPr>
-              <a:t> </a:t>
-            </a:r>
-            <a:r>
-              <a:rPr lang="en-US" i="1" dirty="0">
-                <a:solidFill>
-                  <a:schemeClr val="bg1"/>
-                </a:solidFill>
-              </a:rPr>
-              <a:t>μ</a:t>
-            </a:r>
-            <a:r>
-              <a:rPr lang="en-US" i="1" baseline="-25000" dirty="0">
-                <a:solidFill>
-                  <a:schemeClr val="bg1"/>
-                </a:solidFill>
-              </a:rPr>
-              <a:t>1</a:t>
-            </a:r>
-            <a:r>
-              <a:rPr lang="en-US" dirty="0">
-                <a:solidFill>
-                  <a:schemeClr val="bg1"/>
-                </a:solidFill>
-              </a:rPr>
-              <a:t> ≠ </a:t>
-            </a:r>
-            <a:r>
-              <a:rPr lang="en-US" i="1" dirty="0">
-                <a:solidFill>
-                  <a:schemeClr val="bg1"/>
-                </a:solidFill>
-              </a:rPr>
-              <a:t>μ</a:t>
-            </a:r>
-            <a:r>
-              <a:rPr lang="en-US" i="1" baseline="-25000" dirty="0">
-                <a:solidFill>
-                  <a:schemeClr val="bg1"/>
-                </a:solidFill>
-              </a:rPr>
-              <a:t>2 </a:t>
-            </a:r>
-          </a:p>
-          <a:p>
-            <a:pPr marL="0" indent="0">
-              <a:buNone/>
-            </a:pPr>
-            <a:r>
-              <a:rPr lang="en-US" dirty="0">
-                <a:solidFill>
-                  <a:schemeClr val="bg1"/>
-                </a:solidFill>
-              </a:rPr>
-              <a:t>, where </a:t>
-            </a:r>
-            <a:r>
-              <a:rPr lang="en-US" i="1" dirty="0">
-                <a:solidFill>
-                  <a:schemeClr val="bg1"/>
-                </a:solidFill>
-              </a:rPr>
-              <a:t>μ</a:t>
-            </a:r>
-            <a:r>
-              <a:rPr lang="en-US" i="1" baseline="-25000" dirty="0">
-                <a:solidFill>
-                  <a:schemeClr val="bg1"/>
-                </a:solidFill>
-              </a:rPr>
-              <a:t>1</a:t>
-            </a:r>
-            <a:r>
-              <a:rPr lang="en-US" i="1" dirty="0">
-                <a:solidFill>
-                  <a:schemeClr val="bg1"/>
-                </a:solidFill>
-              </a:rPr>
-              <a:t> </a:t>
-            </a:r>
-            <a:r>
-              <a:rPr lang="en-US" dirty="0">
-                <a:solidFill>
-                  <a:schemeClr val="bg1"/>
-                </a:solidFill>
-              </a:rPr>
-              <a:t>mean of population 1 and </a:t>
-            </a:r>
-            <a:r>
-              <a:rPr lang="en-US" i="1" dirty="0">
-                <a:solidFill>
-                  <a:schemeClr val="bg1"/>
-                </a:solidFill>
-              </a:rPr>
-              <a:t>μ</a:t>
-            </a:r>
-            <a:r>
-              <a:rPr lang="en-US" i="1" baseline="-25000" dirty="0">
-                <a:solidFill>
-                  <a:schemeClr val="bg1"/>
-                </a:solidFill>
-              </a:rPr>
-              <a:t>2</a:t>
-            </a:r>
-            <a:r>
-              <a:rPr lang="en-US" i="1" dirty="0">
-                <a:solidFill>
-                  <a:schemeClr val="bg1"/>
-                </a:solidFill>
-              </a:rPr>
-              <a:t> </a:t>
-            </a:r>
-            <a:r>
-              <a:rPr lang="en-US" dirty="0">
-                <a:solidFill>
-                  <a:schemeClr val="bg1"/>
-                </a:solidFill>
-              </a:rPr>
-              <a:t>mean of population 2</a:t>
-            </a:r>
-          </a:p>
-          <a:p>
-            <a:pPr marL="0" indent="0">
-              <a:buNone/>
-            </a:pPr>
-            <a:endParaRPr lang="en-US" dirty="0"/>
-          </a:p>
-        </p:txBody>
-      </p:sp>
-    </p:spTree>
-    <p:extLst>
-      <p:ext uri="{BB962C8B-B14F-4D97-AF65-F5344CB8AC3E}">
-        <p14:creationId xmlns:p14="http://schemas.microsoft.com/office/powerpoint/2010/main" val="712943730"/>
-      </p:ext>
-    </p:extLst>
-  </p:cSld>
-  <p:clrMapOvr>
-    <a:masterClrMapping/>
-  </p:clrMapOvr>
-</p:sld>
-</file>
-
-<file path=ppt/slides/slide7.xml><?xml version="1.0" encoding="utf-8"?>
-<p:sld xmlns:a="http://schemas.openxmlformats.org/drawingml/2006/main" xmlns:r="http://schemas.openxmlformats.org/officeDocument/2006/relationships" xmlns:p="http://schemas.openxmlformats.org/presentationml/2006/main">
-  <p:cSld>
-    <p:spTree>
-      <p:nvGrpSpPr>
-        <p:cNvPr id="1" name=""/>
-        <p:cNvGrpSpPr/>
-        <p:nvPr/>
-      </p:nvGrpSpPr>
-      <p:grpSpPr>
-        <a:xfrm>
-          <a:off x="0" y="0"/>
-          <a:ext cx="0" cy="0"/>
-          <a:chOff x="0" y="0"/>
-          <a:chExt cx="0" cy="0"/>
-        </a:xfrm>
-      </p:grpSpPr>
-      <p:sp>
-        <p:nvSpPr>
-          <p:cNvPr id="2" name="Title 1"/>
-          <p:cNvSpPr>
-            <a:spLocks noGrp="1"/>
-          </p:cNvSpPr>
-          <p:nvPr>
-            <p:ph type="title"/>
-          </p:nvPr>
-        </p:nvSpPr>
-        <p:spPr>
-          <a:xfrm>
-            <a:off x="0" y="0"/>
-            <a:ext cx="12192000" cy="1325563"/>
-          </a:xfrm>
-        </p:spPr>
-        <p:txBody>
-          <a:bodyPr/>
-          <a:lstStyle/>
-          <a:p>
-            <a:r>
-              <a:rPr lang="en-US" altLang="zh-TW" dirty="0"/>
-              <a:t>Null VS Alternative Hypothesis…examples</a:t>
-            </a:r>
-          </a:p>
-        </p:txBody>
-      </p:sp>
-      <p:sp>
-        <p:nvSpPr>
-          <p:cNvPr id="3" name="Content Placeholder 2"/>
-          <p:cNvSpPr>
-            <a:spLocks noGrp="1"/>
-          </p:cNvSpPr>
-          <p:nvPr>
-            <p:ph idx="1"/>
-          </p:nvPr>
-        </p:nvSpPr>
-        <p:spPr>
-          <a:xfrm>
-            <a:off x="0" y="1333849"/>
-            <a:ext cx="12192000" cy="5524151"/>
-          </a:xfrm>
-        </p:spPr>
-        <p:txBody>
-          <a:bodyPr>
-            <a:normAutofit lnSpcReduction="10000"/>
-          </a:bodyPr>
-          <a:lstStyle/>
-          <a:p>
-            <a:pPr marL="0" indent="0">
-              <a:buNone/>
-            </a:pPr>
-            <a:r>
-              <a:rPr lang="en-US" dirty="0">
-                <a:solidFill>
-                  <a:schemeClr val="bg1">
-                    <a:lumMod val="65000"/>
-                  </a:schemeClr>
-                </a:solidFill>
-              </a:rPr>
-              <a:t>Null Hypothesis (</a:t>
-            </a:r>
-            <a:r>
-              <a:rPr lang="en-US" i="1" dirty="0">
-                <a:solidFill>
-                  <a:schemeClr val="bg1">
-                    <a:lumMod val="65000"/>
-                  </a:schemeClr>
-                </a:solidFill>
-              </a:rPr>
-              <a:t>H</a:t>
-            </a:r>
-            <a:r>
-              <a:rPr lang="en-US" i="1" baseline="-25000" dirty="0">
-                <a:solidFill>
-                  <a:schemeClr val="bg1">
-                    <a:lumMod val="65000"/>
-                  </a:schemeClr>
-                </a:solidFill>
-              </a:rPr>
-              <a:t>0</a:t>
-            </a:r>
-            <a:r>
-              <a:rPr lang="en-US" dirty="0">
-                <a:solidFill>
-                  <a:schemeClr val="bg1">
-                    <a:lumMod val="65000"/>
-                  </a:schemeClr>
-                </a:solidFill>
-              </a:rPr>
-              <a:t>) : </a:t>
-            </a:r>
-          </a:p>
-          <a:p>
-            <a:pPr marL="0" indent="0">
-              <a:buNone/>
-            </a:pPr>
-            <a:r>
-              <a:rPr lang="en-US" dirty="0">
-                <a:solidFill>
-                  <a:schemeClr val="bg1">
-                    <a:lumMod val="65000"/>
-                  </a:schemeClr>
-                </a:solidFill>
-              </a:rPr>
-              <a:t>My average 10K running time (50 min; </a:t>
-            </a:r>
-            <a:r>
-              <a:rPr lang="en-US" i="1" dirty="0">
-                <a:solidFill>
-                  <a:schemeClr val="bg1">
-                    <a:lumMod val="65000"/>
-                  </a:schemeClr>
-                </a:solidFill>
-              </a:rPr>
-              <a:t>μ</a:t>
-            </a:r>
-            <a:r>
-              <a:rPr lang="en-US" i="1" baseline="-25000" dirty="0">
-                <a:solidFill>
-                  <a:schemeClr val="bg1">
-                    <a:lumMod val="65000"/>
-                  </a:schemeClr>
-                </a:solidFill>
-              </a:rPr>
-              <a:t>1</a:t>
-            </a:r>
-            <a:r>
-              <a:rPr lang="en-US" dirty="0">
-                <a:solidFill>
-                  <a:schemeClr val="bg1">
-                    <a:lumMod val="65000"/>
-                  </a:schemeClr>
-                </a:solidFill>
-              </a:rPr>
-              <a:t>) is not different from 55 min 52 s (</a:t>
-            </a:r>
-            <a:r>
-              <a:rPr lang="en-US" i="1" dirty="0">
-                <a:solidFill>
-                  <a:schemeClr val="bg1">
-                    <a:lumMod val="65000"/>
-                  </a:schemeClr>
-                </a:solidFill>
-              </a:rPr>
-              <a:t>μ</a:t>
-            </a:r>
-            <a:r>
-              <a:rPr lang="en-US" i="1" baseline="-25000" dirty="0">
-                <a:solidFill>
-                  <a:schemeClr val="bg1">
-                    <a:lumMod val="65000"/>
-                  </a:schemeClr>
-                </a:solidFill>
-              </a:rPr>
-              <a:t>2</a:t>
-            </a:r>
-            <a:r>
-              <a:rPr lang="en-US" dirty="0">
-                <a:solidFill>
-                  <a:schemeClr val="bg1">
-                    <a:lumMod val="65000"/>
-                  </a:schemeClr>
-                </a:solidFill>
-              </a:rPr>
-              <a:t>).  </a:t>
-            </a:r>
-          </a:p>
-          <a:p>
-            <a:pPr marL="0" indent="0">
-              <a:buNone/>
-            </a:pPr>
-            <a:r>
-              <a:rPr lang="en-US" dirty="0">
-                <a:solidFill>
-                  <a:schemeClr val="bg1">
-                    <a:lumMod val="65000"/>
-                  </a:schemeClr>
-                </a:solidFill>
-              </a:rPr>
-              <a:t>OR more statistically,</a:t>
-            </a:r>
-          </a:p>
-          <a:p>
-            <a:pPr marL="0" indent="0">
-              <a:buNone/>
-            </a:pPr>
-            <a:r>
-              <a:rPr lang="en-US" dirty="0">
-                <a:solidFill>
-                  <a:schemeClr val="bg1">
-                    <a:lumMod val="65000"/>
-                  </a:schemeClr>
-                </a:solidFill>
-              </a:rPr>
-              <a:t> </a:t>
-            </a:r>
-            <a:r>
-              <a:rPr lang="en-US" i="1" dirty="0">
-                <a:solidFill>
-                  <a:schemeClr val="bg1">
-                    <a:lumMod val="65000"/>
-                  </a:schemeClr>
-                </a:solidFill>
-              </a:rPr>
-              <a:t>μ</a:t>
-            </a:r>
-            <a:r>
-              <a:rPr lang="en-US" i="1" baseline="-25000" dirty="0">
-                <a:solidFill>
-                  <a:schemeClr val="bg1">
-                    <a:lumMod val="65000"/>
-                  </a:schemeClr>
-                </a:solidFill>
-              </a:rPr>
-              <a:t>1</a:t>
-            </a:r>
-            <a:r>
-              <a:rPr lang="en-US" baseline="-25000" dirty="0">
-                <a:solidFill>
-                  <a:schemeClr val="bg1">
-                    <a:lumMod val="65000"/>
-                  </a:schemeClr>
-                </a:solidFill>
-              </a:rPr>
-              <a:t> </a:t>
-            </a:r>
-            <a:r>
-              <a:rPr lang="en-US" dirty="0">
-                <a:solidFill>
-                  <a:schemeClr val="bg1">
-                    <a:lumMod val="65000"/>
-                  </a:schemeClr>
-                </a:solidFill>
-              </a:rPr>
-              <a:t>= </a:t>
-            </a:r>
-            <a:r>
-              <a:rPr lang="en-US" i="1" dirty="0">
-                <a:solidFill>
-                  <a:schemeClr val="bg1">
-                    <a:lumMod val="65000"/>
-                  </a:schemeClr>
-                </a:solidFill>
-              </a:rPr>
-              <a:t>μ</a:t>
-            </a:r>
-            <a:r>
-              <a:rPr lang="en-US" i="1" baseline="-25000" dirty="0">
-                <a:solidFill>
-                  <a:schemeClr val="bg1">
-                    <a:lumMod val="65000"/>
-                  </a:schemeClr>
-                </a:solidFill>
-              </a:rPr>
-              <a:t>2 </a:t>
-            </a:r>
-          </a:p>
-          <a:p>
-            <a:pPr marL="0" indent="0">
-              <a:buNone/>
-            </a:pPr>
-            <a:r>
-              <a:rPr lang="en-US" dirty="0">
-                <a:solidFill>
-                  <a:schemeClr val="bg1">
-                    <a:lumMod val="65000"/>
-                  </a:schemeClr>
-                </a:solidFill>
-              </a:rPr>
-              <a:t>, where </a:t>
-            </a:r>
-            <a:r>
-              <a:rPr lang="en-US" i="1" dirty="0">
-                <a:solidFill>
-                  <a:schemeClr val="bg1">
-                    <a:lumMod val="65000"/>
-                  </a:schemeClr>
-                </a:solidFill>
-              </a:rPr>
-              <a:t>μ</a:t>
-            </a:r>
-            <a:r>
-              <a:rPr lang="en-US" i="1" baseline="-25000" dirty="0">
-                <a:solidFill>
-                  <a:schemeClr val="bg1">
-                    <a:lumMod val="65000"/>
-                  </a:schemeClr>
-                </a:solidFill>
-              </a:rPr>
-              <a:t>1</a:t>
-            </a:r>
-            <a:r>
-              <a:rPr lang="en-US" i="1" dirty="0">
-                <a:solidFill>
-                  <a:schemeClr val="bg1">
-                    <a:lumMod val="65000"/>
-                  </a:schemeClr>
-                </a:solidFill>
-              </a:rPr>
-              <a:t> </a:t>
-            </a:r>
-            <a:r>
-              <a:rPr lang="en-US" dirty="0">
-                <a:solidFill>
-                  <a:schemeClr val="bg1">
-                    <a:lumMod val="65000"/>
-                  </a:schemeClr>
-                </a:solidFill>
-              </a:rPr>
-              <a:t>mean of population 1 and </a:t>
-            </a:r>
-            <a:r>
-              <a:rPr lang="en-US" i="1" dirty="0">
-                <a:solidFill>
-                  <a:schemeClr val="bg1">
-                    <a:lumMod val="65000"/>
-                  </a:schemeClr>
-                </a:solidFill>
-              </a:rPr>
-              <a:t>μ</a:t>
-            </a:r>
-            <a:r>
-              <a:rPr lang="en-US" i="1" baseline="-25000" dirty="0">
-                <a:solidFill>
-                  <a:schemeClr val="bg1">
-                    <a:lumMod val="65000"/>
-                  </a:schemeClr>
-                </a:solidFill>
-              </a:rPr>
-              <a:t>2</a:t>
-            </a:r>
-            <a:r>
-              <a:rPr lang="en-US" i="1" dirty="0">
-                <a:solidFill>
-                  <a:schemeClr val="bg1">
-                    <a:lumMod val="65000"/>
-                  </a:schemeClr>
-                </a:solidFill>
-              </a:rPr>
-              <a:t> </a:t>
-            </a:r>
-            <a:r>
-              <a:rPr lang="en-US" dirty="0">
-                <a:solidFill>
-                  <a:schemeClr val="bg1">
-                    <a:lumMod val="65000"/>
-                  </a:schemeClr>
-                </a:solidFill>
-              </a:rPr>
-              <a:t>mean of population 2</a:t>
-            </a:r>
-          </a:p>
-          <a:p>
-            <a:pPr marL="0" indent="0">
-              <a:buNone/>
-            </a:pPr>
-            <a:endParaRPr lang="en-US" dirty="0"/>
-          </a:p>
-          <a:p>
-            <a:pPr marL="0" indent="0">
-              <a:buNone/>
-            </a:pPr>
-            <a:r>
-              <a:rPr lang="en-US" dirty="0"/>
-              <a:t>Alternative Hypothesis (</a:t>
-            </a:r>
-            <a:r>
-              <a:rPr lang="en-US" i="1" dirty="0"/>
-              <a:t>H</a:t>
-            </a:r>
-            <a:r>
-              <a:rPr lang="en-US" i="1" baseline="-25000" dirty="0"/>
-              <a:t>a</a:t>
-            </a:r>
-            <a:r>
-              <a:rPr lang="en-US" dirty="0"/>
-              <a:t>) : </a:t>
-            </a:r>
-          </a:p>
-          <a:p>
-            <a:pPr marL="0" indent="0">
-              <a:buNone/>
-            </a:pPr>
-            <a:r>
-              <a:rPr lang="en-US" dirty="0"/>
-              <a:t>My average 10K running time (50 min; </a:t>
-            </a:r>
-            <a:r>
-              <a:rPr lang="en-US" i="1" dirty="0"/>
-              <a:t>μ</a:t>
-            </a:r>
-            <a:r>
-              <a:rPr lang="en-US" i="1" baseline="-25000" dirty="0"/>
-              <a:t>1</a:t>
-            </a:r>
-            <a:r>
-              <a:rPr lang="en-US" dirty="0"/>
-              <a:t>) is different from 55 min 52s (</a:t>
-            </a:r>
-            <a:r>
-              <a:rPr lang="en-US" i="1" dirty="0"/>
-              <a:t>μ</a:t>
-            </a:r>
-            <a:r>
-              <a:rPr lang="en-US" i="1" baseline="-25000" dirty="0"/>
-              <a:t>2</a:t>
-            </a:r>
-            <a:r>
-              <a:rPr lang="en-US" dirty="0"/>
-              <a:t>).  </a:t>
-            </a:r>
-          </a:p>
-          <a:p>
-            <a:pPr marL="0" indent="0">
-              <a:buNone/>
-            </a:pPr>
-            <a:r>
-              <a:rPr lang="en-US" dirty="0"/>
-              <a:t>OR more statistically,</a:t>
-            </a:r>
-          </a:p>
-          <a:p>
-            <a:pPr marL="0" indent="0">
-              <a:buNone/>
-            </a:pPr>
-            <a:r>
-              <a:rPr lang="en-US" dirty="0"/>
-              <a:t> </a:t>
-            </a:r>
-            <a:r>
-              <a:rPr lang="en-US" i="1" dirty="0"/>
-              <a:t>μ</a:t>
-            </a:r>
-            <a:r>
-              <a:rPr lang="en-US" i="1" baseline="-25000" dirty="0"/>
-              <a:t>1</a:t>
-            </a:r>
-            <a:r>
-              <a:rPr lang="en-US" dirty="0"/>
-              <a:t> ≠ </a:t>
-            </a:r>
-            <a:r>
-              <a:rPr lang="en-US" i="1" dirty="0"/>
-              <a:t>μ</a:t>
-            </a:r>
-            <a:r>
-              <a:rPr lang="en-US" i="1" baseline="-25000" dirty="0"/>
-              <a:t>2 </a:t>
-            </a:r>
-          </a:p>
-          <a:p>
-            <a:pPr marL="0" indent="0">
-              <a:buNone/>
-            </a:pPr>
-            <a:r>
-              <a:rPr lang="en-US" dirty="0"/>
-              <a:t>, where </a:t>
-            </a:r>
-            <a:r>
-              <a:rPr lang="en-US" i="1" dirty="0"/>
-              <a:t>μ</a:t>
-            </a:r>
-            <a:r>
-              <a:rPr lang="en-US" i="1" baseline="-25000" dirty="0"/>
-              <a:t>1</a:t>
-            </a:r>
-            <a:r>
-              <a:rPr lang="en-US" i="1" dirty="0"/>
-              <a:t> </a:t>
-            </a:r>
-            <a:r>
-              <a:rPr lang="en-US" dirty="0"/>
-              <a:t>mean of population 1 and </a:t>
-            </a:r>
-            <a:r>
-              <a:rPr lang="en-US" i="1" dirty="0"/>
-              <a:t>μ</a:t>
-            </a:r>
-            <a:r>
-              <a:rPr lang="en-US" i="1" baseline="-25000" dirty="0"/>
-              <a:t>2</a:t>
-            </a:r>
-            <a:r>
-              <a:rPr lang="en-US" i="1" dirty="0"/>
-              <a:t> </a:t>
-            </a:r>
-            <a:r>
-              <a:rPr lang="en-US" dirty="0"/>
-              <a:t>mean of population 2</a:t>
-            </a:r>
-          </a:p>
-          <a:p>
-            <a:pPr marL="0" indent="0">
-              <a:buNone/>
-            </a:pPr>
-            <a:endParaRPr lang="en-US" dirty="0"/>
-          </a:p>
-        </p:txBody>
-      </p:sp>
-    </p:spTree>
-    <p:extLst>
-      <p:ext uri="{BB962C8B-B14F-4D97-AF65-F5344CB8AC3E}">
-        <p14:creationId xmlns:p14="http://schemas.microsoft.com/office/powerpoint/2010/main" val="2748605613"/>
-      </p:ext>
-    </p:extLst>
-  </p:cSld>
-  <p:clrMapOvr>
-    <a:masterClrMapping/>
-  </p:clrMapOvr>
+  <p:timing>
+    <p:tnLst>
+      <p:par>
+        <p:cTn id="1" dur="indefinite" restart="never" nodeType="tmRoot"/>
+      </p:par>
+    </p:tnLst>
+  </p:timing>
 </p:sld>
 </file>
 
@@ -20958,14 +21998,49 @@
           <a:p>
             <a:r>
               <a:rPr lang="en-US" altLang="zh-TW" dirty="0"/>
-              <a:t>Two Tail Hypothesis Test</a:t>
+              <a:t>Null VS Alternative Hypothesis</a:t>
             </a:r>
           </a:p>
         </p:txBody>
       </p:sp>
+      <p:pic>
+        <p:nvPicPr>
+          <p:cNvPr id="4" name="Picture 3"/>
+          <p:cNvPicPr>
+            <a:picLocks noChangeAspect="1"/>
+          </p:cNvPicPr>
+          <p:nvPr/>
+        </p:nvPicPr>
+        <p:blipFill rotWithShape="1">
+          <a:blip r:embed="rId2">
+            <a:extLst>
+              <a:ext uri="{28A0092B-C50C-407E-A947-70E740481C1C}">
+                <a14:useLocalDpi xmlns:a14="http://schemas.microsoft.com/office/drawing/2010/main" val="0"/>
+              </a:ext>
+            </a:extLst>
+          </a:blip>
+          <a:srcRect b="4206"/>
+          <a:stretch/>
+        </p:blipFill>
+        <p:spPr>
+          <a:xfrm>
+            <a:off x="7234426" y="3932808"/>
+            <a:ext cx="4824410" cy="2599585"/>
+          </a:xfrm>
+          <a:prstGeom prst="rect">
+            <a:avLst/>
+          </a:prstGeom>
+          <a:ln>
+            <a:noFill/>
+          </a:ln>
+          <a:effectLst>
+            <a:softEdge rad="112500"/>
+          </a:effectLst>
+        </p:spPr>
+      </p:pic>
       <p:sp>
         <p:nvSpPr>
-          <p:cNvPr id="9" name="Content Placeholder 2"/>
+          <p:cNvPr id="7" name="Content Placeholder 2"/>
           <p:cNvSpPr>
             <a:spLocks noGrp="1"/>
           </p:cNvSpPr>
@@ -20975,8 +22050,8 @@
         </p:nvSpPr>
         <p:spPr>
           <a:xfrm>
-            <a:off x="0" y="1333849"/>
-            <a:ext cx="12192000" cy="5524151"/>
+            <a:off x="0" y="1333850"/>
+            <a:ext cx="12192000" cy="5505490"/>
           </a:xfrm>
         </p:spPr>
         <p:txBody>
@@ -20989,75 +22064,47 @@
               <a:buNone/>
             </a:pPr>
             <a:r>
-              <a:rPr lang="en-US" altLang="zh-TW" dirty="0"/>
+              <a:rPr lang="en-US" dirty="0"/>
+              <a:t>Null Hypothesis (</a:t>
+            </a:r>
+            <a:r>
+              <a:rPr lang="en-US" i="1" dirty="0"/>
               <a:t>H</a:t>
             </a:r>
             <a:r>
-              <a:rPr lang="en-US" altLang="zh-TW" baseline="-25000" dirty="0"/>
+              <a:rPr lang="en-US" i="1" baseline="-25000" dirty="0"/>
               <a:t>0</a:t>
             </a:r>
             <a:r>
-              <a:rPr lang="en-US" altLang="zh-TW" dirty="0"/>
-              <a:t>: </a:t>
-            </a:r>
-            <a:r>
-              <a:rPr lang="en-US" i="1" dirty="0"/>
-              <a:t>μ</a:t>
-            </a:r>
-            <a:r>
-              <a:rPr lang="en-US" i="1" baseline="-25000" dirty="0"/>
-              <a:t>1</a:t>
-            </a:r>
-            <a:r>
               <a:rPr lang="en-US" dirty="0"/>
-              <a:t> = </a:t>
-            </a:r>
-            <a:r>
-              <a:rPr lang="en-US" i="1" dirty="0"/>
-              <a:t>μ</a:t>
-            </a:r>
-            <a:r>
-              <a:rPr lang="en-US" i="1" baseline="-25000" dirty="0"/>
-              <a:t>2</a:t>
-            </a:r>
-          </a:p>
-          <a:p>
-            <a:pPr marL="0" indent="0">
-              <a:buNone/>
+              <a:t>) : </a:t>
+            </a:r>
+          </a:p>
+          <a:p>
+            <a:pPr>
+              <a:buFontTx/>
+              <a:buChar char="-"/>
             </a:pPr>
             <a:r>
-              <a:rPr lang="en-US" altLang="zh-TW" dirty="0"/>
-              <a:t>H</a:t>
-            </a:r>
-            <a:r>
-              <a:rPr lang="en-US" altLang="zh-TW" baseline="-25000" dirty="0"/>
-              <a:t>a</a:t>
-            </a:r>
-            <a:r>
-              <a:rPr lang="en-US" altLang="zh-TW" dirty="0"/>
-              <a:t>: </a:t>
-            </a:r>
-            <a:r>
-              <a:rPr lang="en-US" i="1" dirty="0"/>
-              <a:t>μ</a:t>
-            </a:r>
-            <a:r>
-              <a:rPr lang="en-US" i="1" baseline="-25000" dirty="0"/>
-              <a:t>1</a:t>
-            </a:r>
-            <a:r>
               <a:rPr lang="en-US" dirty="0"/>
-              <a:t> ≠ </a:t>
-            </a:r>
-            <a:r>
-              <a:rPr lang="en-US" i="1" dirty="0"/>
-              <a:t>μ</a:t>
-            </a:r>
-            <a:r>
-              <a:rPr lang="en-US" i="1" baseline="-25000" dirty="0"/>
-              <a:t>2</a:t>
-            </a:r>
-            <a:endParaRPr lang="en-US" altLang="zh-TW" dirty="0"/>
+              <a:t>The belief that the parameter is ≥, =, or ≤ than a specific value </a:t>
+            </a:r>
+          </a:p>
+          <a:p>
+            <a:pPr>
+              <a:buFontTx/>
+              <a:buChar char="-"/>
+            </a:pPr>
+            <a:r>
+              <a:rPr lang="en-US" dirty="0">
+                <a:solidFill>
+                  <a:schemeClr val="bg1">
+                    <a:lumMod val="50000"/>
+                  </a:schemeClr>
+                </a:solidFill>
+              </a:rPr>
+              <a:t>A general statement or default position that there is no relationship between two measured phenomena, or no association among groups</a:t>
+            </a:r>
           </a:p>
           <a:p>
             <a:pPr marL="0" indent="0">
@@ -21065,365 +22112,65 @@
             </a:pPr>
             <a:endParaRPr lang="en-US" dirty="0"/>
           </a:p>
-        </p:txBody>
-      </p:sp>
-      <p:grpSp>
-        <p:nvGrpSpPr>
-          <p:cNvPr id="3" name="Group 2"/>
-          <p:cNvGrpSpPr/>
-          <p:nvPr/>
-        </p:nvGrpSpPr>
-        <p:grpSpPr>
-          <a:xfrm>
-            <a:off x="2016789" y="1557380"/>
-            <a:ext cx="8271758" cy="4985855"/>
-            <a:chOff x="2016789" y="1557380"/>
-            <a:chExt cx="8271758" cy="4985855"/>
-          </a:xfrm>
-        </p:grpSpPr>
-        <p:pic>
-          <p:nvPicPr>
-            <p:cNvPr id="13" name="Picture 12"/>
-            <p:cNvPicPr>
-              <a:picLocks noChangeAspect="1"/>
-            </p:cNvPicPr>
-            <p:nvPr/>
-          </p:nvPicPr>
-          <p:blipFill rotWithShape="1">
-            <a:blip r:embed="rId2"/>
-            <a:srcRect t="7284" b="3855"/>
-            <a:stretch/>
-          </p:blipFill>
-          <p:spPr>
-            <a:xfrm>
-              <a:off x="2016789" y="2649843"/>
-              <a:ext cx="8271758" cy="3893392"/>
-            </a:xfrm>
-            <a:prstGeom prst="rect">
-              <a:avLst/>
-            </a:prstGeom>
-          </p:spPr>
-        </p:pic>
-        <p:sp>
-          <p:nvSpPr>
-            <p:cNvPr id="14" name="TextBox 13"/>
-            <p:cNvSpPr txBox="1"/>
-            <p:nvPr/>
-          </p:nvSpPr>
-          <p:spPr>
-            <a:xfrm>
-              <a:off x="2360875" y="2677514"/>
-              <a:ext cx="2443721" cy="646331"/>
-            </a:xfrm>
-            <a:prstGeom prst="rect">
-              <a:avLst/>
-            </a:prstGeom>
-            <a:noFill/>
-          </p:spPr>
-          <p:txBody>
-            <a:bodyPr wrap="square" rtlCol="0">
-              <a:spAutoFit/>
-            </a:bodyPr>
-            <a:lstStyle/>
-            <a:p>
-              <a:pPr algn="ctr"/>
-              <a:r>
-                <a:rPr lang="en-US" dirty="0"/>
-                <a:t>Distribution of Oscar’s 10K running time</a:t>
-              </a:r>
-            </a:p>
-          </p:txBody>
-        </p:sp>
-        <p:cxnSp>
-          <p:nvCxnSpPr>
-            <p:cNvPr id="18" name="Straight Arrow Connector 17"/>
-            <p:cNvCxnSpPr>
-              <a:cxnSpLocks/>
-            </p:cNvCxnSpPr>
-            <p:nvPr/>
-          </p:nvCxnSpPr>
-          <p:spPr>
-            <a:xfrm flipH="1">
-              <a:off x="6229076" y="2812077"/>
-              <a:ext cx="1" cy="3474720"/>
-            </a:xfrm>
-            <a:prstGeom prst="straightConnector1">
-              <a:avLst/>
-            </a:prstGeom>
-            <a:ln w="41275">
-              <a:solidFill>
-                <a:schemeClr val="tx1"/>
-              </a:solidFill>
-              <a:prstDash val="sysDot"/>
-              <a:tailEnd type="stealth" w="lg" len="lg"/>
-            </a:ln>
-          </p:spPr>
-          <p:style>
-            <a:lnRef idx="1">
-              <a:schemeClr val="accent1"/>
-            </a:lnRef>
-            <a:fillRef idx="0">
-              <a:schemeClr val="accent1"/>
-            </a:fillRef>
-            <a:effectRef idx="0">
-              <a:schemeClr val="accent1"/>
-            </a:effectRef>
-            <a:fontRef idx="minor">
-              <a:schemeClr val="tx1"/>
-            </a:fontRef>
-          </p:style>
-        </p:cxnSp>
-        <p:sp>
-          <p:nvSpPr>
-            <p:cNvPr id="16" name="TextBox 15"/>
-            <p:cNvSpPr txBox="1"/>
-            <p:nvPr/>
-          </p:nvSpPr>
-          <p:spPr>
-            <a:xfrm>
-              <a:off x="5271796" y="4814309"/>
-              <a:ext cx="1931437" cy="707886"/>
-            </a:xfrm>
-            <a:prstGeom prst="rect">
-              <a:avLst/>
-            </a:prstGeom>
-            <a:solidFill>
-              <a:schemeClr val="bg1"/>
-            </a:solidFill>
-          </p:spPr>
-          <p:txBody>
-            <a:bodyPr wrap="square" rtlCol="0">
-              <a:spAutoFit/>
-            </a:bodyPr>
-            <a:lstStyle/>
-            <a:p>
-              <a:pPr algn="ctr"/>
-              <a:r>
-                <a:rPr lang="en-US" sz="2000" dirty="0"/>
-                <a:t>Oscar’s avg. time</a:t>
-              </a:r>
-              <a:r>
-                <a:rPr lang="zh-TW" altLang="en-US" sz="2000" dirty="0"/>
-                <a:t> </a:t>
-              </a:r>
-              <a:r>
-                <a:rPr lang="en-US" altLang="zh-TW" sz="2000" dirty="0"/>
-                <a:t>(</a:t>
-              </a:r>
-              <a:r>
-                <a:rPr lang="en-US" sz="2000" i="1" dirty="0"/>
-                <a:t>μ</a:t>
-              </a:r>
-              <a:r>
-                <a:rPr lang="en-US" sz="2000" i="1" baseline="-25000" dirty="0"/>
-                <a:t>1</a:t>
-              </a:r>
-              <a:r>
-                <a:rPr lang="en-US" sz="2000" dirty="0"/>
-                <a:t>) = </a:t>
-              </a:r>
-              <a:r>
-                <a:rPr lang="en-US" sz="2000" dirty="0"/>
-                <a:t> 3000s</a:t>
-              </a:r>
-            </a:p>
-          </p:txBody>
-        </p:sp>
-        <p:sp>
-          <p:nvSpPr>
-            <p:cNvPr id="21" name="TextBox 20"/>
-            <p:cNvSpPr txBox="1"/>
-            <p:nvPr/>
-          </p:nvSpPr>
-          <p:spPr>
-            <a:xfrm>
-              <a:off x="6567222" y="1563605"/>
-              <a:ext cx="2184896" cy="954107"/>
-            </a:xfrm>
-            <a:prstGeom prst="rect">
-              <a:avLst/>
-            </a:prstGeom>
-            <a:noFill/>
-          </p:spPr>
-          <p:txBody>
-            <a:bodyPr wrap="square" rtlCol="0">
-              <a:spAutoFit/>
-            </a:bodyPr>
-            <a:lstStyle/>
-            <a:p>
-              <a:pPr algn="ctr"/>
-              <a:r>
-                <a:rPr lang="en-US" sz="2800" dirty="0"/>
-                <a:t>Critical value to reject </a:t>
-              </a:r>
-              <a:r>
-                <a:rPr lang="en-US" sz="2800" i="1" dirty="0"/>
-                <a:t>H</a:t>
-              </a:r>
-              <a:r>
-                <a:rPr lang="en-US" sz="2800" i="1" baseline="-25000" dirty="0"/>
-                <a:t>0</a:t>
-              </a:r>
-            </a:p>
-          </p:txBody>
-        </p:sp>
-        <p:cxnSp>
-          <p:nvCxnSpPr>
-            <p:cNvPr id="22" name="Straight Arrow Connector 21"/>
-            <p:cNvCxnSpPr>
-              <a:cxnSpLocks/>
-            </p:cNvCxnSpPr>
-            <p:nvPr/>
-          </p:nvCxnSpPr>
-          <p:spPr>
-            <a:xfrm flipH="1">
-              <a:off x="7653557" y="2443305"/>
-              <a:ext cx="1" cy="3840480"/>
-            </a:xfrm>
-            <a:prstGeom prst="straightConnector1">
-              <a:avLst/>
-            </a:prstGeom>
-            <a:ln w="41275">
-              <a:solidFill>
-                <a:srgbClr val="00B050"/>
-              </a:solidFill>
-              <a:prstDash val="solid"/>
-              <a:tailEnd type="stealth" w="lg" len="lg"/>
-            </a:ln>
-          </p:spPr>
-          <p:style>
-            <a:lnRef idx="1">
-              <a:schemeClr val="accent1"/>
-            </a:lnRef>
-            <a:fillRef idx="0">
-              <a:schemeClr val="accent1"/>
-            </a:fillRef>
-            <a:effectRef idx="0">
-              <a:schemeClr val="accent1"/>
-            </a:effectRef>
-            <a:fontRef idx="minor">
-              <a:schemeClr val="tx1"/>
-            </a:fontRef>
-          </p:style>
-        </p:cxnSp>
-        <p:cxnSp>
-          <p:nvCxnSpPr>
-            <p:cNvPr id="17" name="Straight Arrow Connector 16"/>
-            <p:cNvCxnSpPr>
-              <a:cxnSpLocks/>
-            </p:cNvCxnSpPr>
-            <p:nvPr/>
-          </p:nvCxnSpPr>
-          <p:spPr>
-            <a:xfrm flipH="1">
-              <a:off x="4829493" y="2446409"/>
-              <a:ext cx="1" cy="3840480"/>
-            </a:xfrm>
-            <a:prstGeom prst="straightConnector1">
-              <a:avLst/>
-            </a:prstGeom>
-            <a:ln w="41275">
-              <a:solidFill>
-                <a:srgbClr val="00B050"/>
-              </a:solidFill>
-              <a:prstDash val="solid"/>
-              <a:tailEnd type="stealth" w="lg" len="lg"/>
-            </a:ln>
-          </p:spPr>
-          <p:style>
-            <a:lnRef idx="1">
-              <a:schemeClr val="accent1"/>
-            </a:lnRef>
-            <a:fillRef idx="0">
-              <a:schemeClr val="accent1"/>
-            </a:fillRef>
-            <a:effectRef idx="0">
-              <a:schemeClr val="accent1"/>
-            </a:effectRef>
-            <a:fontRef idx="minor">
-              <a:schemeClr val="tx1"/>
-            </a:fontRef>
-          </p:style>
-        </p:cxnSp>
-        <p:sp>
-          <p:nvSpPr>
-            <p:cNvPr id="23" name="TextBox 22"/>
-            <p:cNvSpPr txBox="1"/>
-            <p:nvPr/>
-          </p:nvSpPr>
-          <p:spPr>
-            <a:xfrm>
-              <a:off x="3752491" y="1557380"/>
-              <a:ext cx="2184896" cy="954107"/>
-            </a:xfrm>
-            <a:prstGeom prst="rect">
-              <a:avLst/>
-            </a:prstGeom>
-            <a:noFill/>
-          </p:spPr>
-          <p:txBody>
-            <a:bodyPr wrap="square" rtlCol="0">
-              <a:spAutoFit/>
-            </a:bodyPr>
-            <a:lstStyle/>
-            <a:p>
-              <a:pPr algn="ctr"/>
-              <a:r>
-                <a:rPr lang="en-US" sz="2800" dirty="0"/>
-                <a:t>Critical value to reject </a:t>
-              </a:r>
-              <a:r>
-                <a:rPr lang="en-US" sz="2800" i="1" dirty="0"/>
-                <a:t>H</a:t>
-              </a:r>
-              <a:r>
-                <a:rPr lang="en-US" sz="2800" i="1" baseline="-25000" dirty="0"/>
-                <a:t>0</a:t>
-              </a:r>
-            </a:p>
-          </p:txBody>
-        </p:sp>
-      </p:grpSp>
-      <p:sp>
-        <p:nvSpPr>
-          <p:cNvPr id="15" name="TextBox 14"/>
-          <p:cNvSpPr txBox="1"/>
-          <p:nvPr/>
-        </p:nvSpPr>
-        <p:spPr>
-          <a:xfrm>
-            <a:off x="3090449" y="6337611"/>
-            <a:ext cx="6329778" cy="523220"/>
-          </a:xfrm>
-          <a:prstGeom prst="rect">
-            <a:avLst/>
-          </a:prstGeom>
-          <a:noFill/>
-        </p:spPr>
-        <p:txBody>
-          <a:bodyPr wrap="square" rtlCol="0">
-            <a:spAutoFit/>
-          </a:bodyPr>
-          <a:lstStyle/>
-          <a:p>
-            <a:pPr algn="ctr"/>
-            <a:r>
-              <a:rPr lang="en-US" sz="2800" dirty="0"/>
-              <a:t>Seconds / 10K</a:t>
-            </a:r>
+          <a:p>
+            <a:pPr marL="0" indent="0">
+              <a:buNone/>
+            </a:pPr>
+            <a:r>
+              <a:rPr lang="en-US" dirty="0"/>
+              <a:t>Alternative Hypothesis (</a:t>
+            </a:r>
+            <a:r>
+              <a:rPr lang="en-US" i="1" dirty="0"/>
+              <a:t>H</a:t>
+            </a:r>
+            <a:r>
+              <a:rPr lang="en-US" i="1" baseline="-25000" dirty="0"/>
+              <a:t>a</a:t>
+            </a:r>
+            <a:r>
+              <a:rPr lang="en-US" dirty="0"/>
+              <a:t>)</a:t>
+            </a:r>
+          </a:p>
+          <a:p>
+            <a:pPr>
+              <a:buFontTx/>
+              <a:buChar char="-"/>
+            </a:pPr>
+            <a:r>
+              <a:rPr lang="en-US" dirty="0"/>
+              <a:t>The opposite of </a:t>
+            </a:r>
+            <a:r>
+              <a:rPr lang="en-US" i="1" dirty="0"/>
+              <a:t>H</a:t>
+            </a:r>
+            <a:r>
+              <a:rPr lang="en-US" i="1" baseline="-25000" dirty="0"/>
+              <a:t>0</a:t>
+            </a:r>
+            <a:endParaRPr lang="en-US" dirty="0"/>
           </a:p>
         </p:txBody>
       </p:sp>
     </p:spTree>
     <p:extLst>
       <p:ext uri="{BB962C8B-B14F-4D97-AF65-F5344CB8AC3E}">
-        <p14:creationId xmlns:p14="http://schemas.microsoft.com/office/powerpoint/2010/main" val="3015476413"/>
+        <p14:creationId xmlns:p14="http://schemas.microsoft.com/office/powerpoint/2010/main" val="2524871072"/>
       </p:ext>
     </p:extLst>
   </p:cSld>
   <p:clrMapOvr>
     <a:masterClrMapping/>
   </p:clrMapOvr>
+  <p:timing>
+    <p:tnLst>
+      <p:par>
+        <p:cTn id="1" dur="indefinite" restart="never" nodeType="tmRoot"/>
+      </p:par>
+    </p:tnLst>
+  </p:timing>
 </p:sld>
 </file>
 
@@ -21444,29 +22191,6 @@
           <a:chExt cx="0" cy="0"/>
         </a:xfrm>
       </p:grpSpPr>
-      <p:pic>
-        <p:nvPicPr>
-          <p:cNvPr id="12" name="Picture 11"/>
-          <p:cNvPicPr>
-            <a:picLocks noChangeAspect="1"/>
-          </p:cNvPicPr>
-          <p:nvPr/>
-        </p:nvPicPr>
-        <p:blipFill rotWithShape="1">
-          <a:blip r:embed="rId2"/>
-          <a:srcRect t="7194" b="4047"/>
-          <a:stretch/>
-        </p:blipFill>
-        <p:spPr>
-          <a:xfrm>
-            <a:off x="2016797" y="2651808"/>
-            <a:ext cx="8271758" cy="3888955"/>
-          </a:xfrm>
-          <a:prstGeom prst="rect">
-            <a:avLst/>
-          </a:prstGeom>
-        </p:spPr>
-      </p:pic>
       <p:sp>
         <p:nvSpPr>
           <p:cNvPr id="2" name="Title 1"/>
@@ -21489,14 +22213,14 @@
           <a:p>
             <a:r>
               <a:rPr lang="en-US" altLang="zh-TW" dirty="0"/>
-              <a:t>One Tail Hypothesis Test</a:t>
+              <a:t>Null VS Alternative Hypothesis…examples</a:t>
             </a:r>
           </a:p>
         </p:txBody>
       </p:sp>
       <p:sp>
         <p:nvSpPr>
-          <p:cNvPr id="9" name="Content Placeholder 2"/>
+          <p:cNvPr id="3" name="Content Placeholder 2"/>
           <p:cNvSpPr>
             <a:spLocks noGrp="1"/>
           </p:cNvSpPr>
@@ -21512,7 +22236,7 @@
         </p:spPr>
         <p:txBody>
           <a:bodyPr>
-            <a:normAutofit/>
+            <a:normAutofit lnSpcReduction="10000"/>
           </a:bodyPr>
           <a:lstStyle/>
           <a:p>
@@ -21520,36 +22244,20 @@
               <a:buNone/>
             </a:pPr>
             <a:r>
-              <a:rPr lang="en-US" altLang="zh-TW" dirty="0"/>
+              <a:rPr lang="en-US" dirty="0"/>
+              <a:t>Null Hypothesis (</a:t>
+            </a:r>
+            <a:r>
+              <a:rPr lang="en-US" i="1" dirty="0"/>
               <a:t>H</a:t>
             </a:r>
             <a:r>
-              <a:rPr lang="en-US" altLang="zh-TW" baseline="-25000" dirty="0"/>
+              <a:rPr lang="en-US" i="1" baseline="-25000" dirty="0"/>
               <a:t>0</a:t>
             </a:r>
             <a:r>
-              <a:rPr lang="en-US" altLang="zh-TW" dirty="0"/>
-              <a:t>: </a:t>
-            </a:r>
-            <a:r>
-              <a:rPr lang="en-US" i="1" dirty="0"/>
-              <a:t>μ</a:t>
-            </a:r>
-            <a:r>
-              <a:rPr lang="en-US" i="1" baseline="-25000" dirty="0"/>
-              <a:t>1</a:t>
-            </a:r>
-            <a:r>
               <a:rPr lang="en-US" dirty="0"/>
-              <a:t> ≤ </a:t>
-            </a:r>
-            <a:r>
-              <a:rPr lang="en-US" i="1" dirty="0"/>
-              <a:t>μ</a:t>
-            </a:r>
-            <a:r>
-              <a:rPr lang="en-US" i="1" baseline="-25000" dirty="0"/>
-              <a:t>2</a:t>
+              <a:t>) : </a:t>
             </a:r>
           </a:p>
           <a:p>
@@ -21557,16 +22265,8 @@
               <a:buNone/>
             </a:pPr>
             <a:r>
-              <a:rPr lang="en-US" altLang="zh-TW" dirty="0"/>
-              <a:t>H</a:t>
-            </a:r>
-            <a:r>
-              <a:rPr lang="en-US" altLang="zh-TW" baseline="-25000" dirty="0"/>
-              <a:t>a</a:t>
-            </a:r>
-            <a:r>
-              <a:rPr lang="en-US" altLang="zh-TW" dirty="0"/>
-              <a:t>: </a:t>
+              <a:rPr lang="en-US" dirty="0"/>
+              <a:t>My average 10K running time (50 min; </a:t>
             </a:r>
             <a:r>
               <a:rPr lang="en-US" i="1" dirty="0"/>
@@ -21578,7 +22278,7 @@
             </a:r>
             <a:r>
               <a:rPr lang="en-US" dirty="0"/>
-              <a:t> &gt; </a:t>
+              <a:t>) is not different from 55 min 52s (</a:t>
             </a:r>
             <a:r>
               <a:rPr lang="en-US" i="1" dirty="0"/>
@@ -21588,258 +22288,370 @@
               <a:rPr lang="en-US" i="1" baseline="-25000" dirty="0"/>
               <a:t>2</a:t>
             </a:r>
-            <a:endParaRPr lang="en-US" altLang="zh-TW" dirty="0"/>
+            <a:r>
+              <a:rPr lang="en-US" dirty="0"/>
+              <a:t>).  </a:t>
+            </a:r>
+          </a:p>
+          <a:p>
+            <a:pPr marL="0" indent="0">
+              <a:buNone/>
+            </a:pPr>
+            <a:r>
+              <a:rPr lang="en-US" dirty="0"/>
+              <a:t>OR more statistically,</a:t>
+            </a:r>
+          </a:p>
+          <a:p>
+            <a:pPr marL="0" indent="0">
+              <a:buNone/>
+            </a:pPr>
+            <a:r>
+              <a:rPr lang="en-US" dirty="0"/>
+              <a:t> </a:t>
+            </a:r>
+            <a:r>
+              <a:rPr lang="en-US" i="1" dirty="0"/>
+              <a:t>μ</a:t>
+            </a:r>
+            <a:r>
+              <a:rPr lang="en-US" i="1" baseline="-25000" dirty="0"/>
+              <a:t>1</a:t>
+            </a:r>
+            <a:r>
+              <a:rPr lang="en-US" baseline="-25000" dirty="0"/>
+              <a:t> </a:t>
+            </a:r>
+            <a:r>
+              <a:rPr lang="en-US" dirty="0"/>
+              <a:t>= </a:t>
+            </a:r>
+            <a:r>
+              <a:rPr lang="en-US" i="1" dirty="0"/>
+              <a:t>μ</a:t>
+            </a:r>
+            <a:r>
+              <a:rPr lang="en-US" i="1" baseline="-25000" dirty="0"/>
+              <a:t>2 </a:t>
+            </a:r>
+          </a:p>
+          <a:p>
+            <a:pPr marL="0" indent="0">
+              <a:buNone/>
+            </a:pPr>
+            <a:r>
+              <a:rPr lang="en-US" dirty="0"/>
+              <a:t>, where </a:t>
+            </a:r>
+            <a:r>
+              <a:rPr lang="en-US" i="1" dirty="0"/>
+              <a:t>μ</a:t>
+            </a:r>
+            <a:r>
+              <a:rPr lang="en-US" i="1" baseline="-25000" dirty="0"/>
+              <a:t>1</a:t>
+            </a:r>
+            <a:r>
+              <a:rPr lang="en-US" i="1" dirty="0"/>
+              <a:t> </a:t>
+            </a:r>
+            <a:r>
+              <a:rPr lang="en-US" dirty="0"/>
+              <a:t>mean of population 1 and </a:t>
+            </a:r>
+            <a:r>
+              <a:rPr lang="en-US" i="1" dirty="0"/>
+              <a:t>μ</a:t>
+            </a:r>
+            <a:r>
+              <a:rPr lang="en-US" i="1" baseline="-25000" dirty="0"/>
+              <a:t>2</a:t>
+            </a:r>
+            <a:r>
+              <a:rPr lang="en-US" i="1" dirty="0"/>
+              <a:t> </a:t>
+            </a:r>
+            <a:r>
+              <a:rPr lang="en-US" dirty="0"/>
+              <a:t>mean of population 2</a:t>
+            </a:r>
+          </a:p>
+          <a:p>
+            <a:pPr marL="0" indent="0">
+              <a:buNone/>
+            </a:pPr>
+            <a:endParaRPr lang="en-US" dirty="0">
+              <a:solidFill>
+                <a:schemeClr val="bg1"/>
+              </a:solidFill>
+            </a:endParaRPr>
+          </a:p>
+          <a:p>
+            <a:pPr marL="0" indent="0">
+              <a:buNone/>
+            </a:pPr>
+            <a:r>
+              <a:rPr lang="en-US" dirty="0">
+                <a:solidFill>
+                  <a:schemeClr val="bg1"/>
+                </a:solidFill>
+              </a:rPr>
+              <a:t>Alternative Hypothesis (</a:t>
+            </a:r>
+            <a:r>
+              <a:rPr lang="en-US" i="1" dirty="0">
+                <a:solidFill>
+                  <a:schemeClr val="bg1"/>
+                </a:solidFill>
+              </a:rPr>
+              <a:t>H</a:t>
+            </a:r>
+            <a:r>
+              <a:rPr lang="en-US" i="1" baseline="-25000" dirty="0">
+                <a:solidFill>
+                  <a:schemeClr val="bg1"/>
+                </a:solidFill>
+              </a:rPr>
+              <a:t>a</a:t>
+            </a:r>
+            <a:r>
+              <a:rPr lang="en-US" dirty="0">
+                <a:solidFill>
+                  <a:schemeClr val="bg1"/>
+                </a:solidFill>
+              </a:rPr>
+              <a:t>) : </a:t>
+            </a:r>
+          </a:p>
+          <a:p>
+            <a:pPr marL="0" indent="0">
+              <a:buNone/>
+            </a:pPr>
+            <a:r>
+              <a:rPr lang="en-US" dirty="0">
+                <a:solidFill>
+                  <a:schemeClr val="bg1"/>
+                </a:solidFill>
+              </a:rPr>
+              <a:t>My average 10K running time (50 min; </a:t>
+            </a:r>
+            <a:r>
+              <a:rPr lang="en-US" i="1" dirty="0">
+                <a:solidFill>
+                  <a:schemeClr val="bg1"/>
+                </a:solidFill>
+              </a:rPr>
+              <a:t>μ</a:t>
+            </a:r>
+            <a:r>
+              <a:rPr lang="en-US" i="1" baseline="-25000" dirty="0">
+                <a:solidFill>
+                  <a:schemeClr val="bg1"/>
+                </a:solidFill>
+              </a:rPr>
+              <a:t>1</a:t>
+            </a:r>
+            <a:r>
+              <a:rPr lang="en-US" dirty="0">
+                <a:solidFill>
+                  <a:schemeClr val="bg1"/>
+                </a:solidFill>
+              </a:rPr>
+              <a:t>) is different from 55 min 52s (</a:t>
+            </a:r>
+            <a:r>
+              <a:rPr lang="en-US" i="1" dirty="0">
+                <a:solidFill>
+                  <a:schemeClr val="bg1"/>
+                </a:solidFill>
+              </a:rPr>
+              <a:t>μ</a:t>
+            </a:r>
+            <a:r>
+              <a:rPr lang="en-US" i="1" baseline="-25000" dirty="0">
+                <a:solidFill>
+                  <a:schemeClr val="bg1"/>
+                </a:solidFill>
+              </a:rPr>
+              <a:t>2</a:t>
+            </a:r>
+            <a:r>
+              <a:rPr lang="en-US" dirty="0">
+                <a:solidFill>
+                  <a:schemeClr val="bg1"/>
+                </a:solidFill>
+              </a:rPr>
+              <a:t>).  </a:t>
+            </a:r>
+          </a:p>
+          <a:p>
+            <a:pPr marL="0" indent="0">
+              <a:buNone/>
+            </a:pPr>
+            <a:r>
+              <a:rPr lang="en-US" dirty="0">
+                <a:solidFill>
+                  <a:schemeClr val="bg1"/>
+                </a:solidFill>
+              </a:rPr>
+              <a:t>OR more statistically,</a:t>
+            </a:r>
+          </a:p>
+          <a:p>
+            <a:pPr marL="0" indent="0">
+              <a:buNone/>
+            </a:pPr>
+            <a:r>
+              <a:rPr lang="en-US" dirty="0">
+                <a:solidFill>
+                  <a:schemeClr val="bg1"/>
+                </a:solidFill>
+              </a:rPr>
+              <a:t> </a:t>
+            </a:r>
+            <a:r>
+              <a:rPr lang="en-US" i="1" dirty="0">
+                <a:solidFill>
+                  <a:schemeClr val="bg1"/>
+                </a:solidFill>
+              </a:rPr>
+              <a:t>μ</a:t>
+            </a:r>
+            <a:r>
+              <a:rPr lang="en-US" i="1" baseline="-25000" dirty="0">
+                <a:solidFill>
+                  <a:schemeClr val="bg1"/>
+                </a:solidFill>
+              </a:rPr>
+              <a:t>1</a:t>
+            </a:r>
+            <a:r>
+              <a:rPr lang="en-US" dirty="0">
+                <a:solidFill>
+                  <a:schemeClr val="bg1"/>
+                </a:solidFill>
+              </a:rPr>
+              <a:t> ≠ </a:t>
+            </a:r>
+            <a:r>
+              <a:rPr lang="en-US" i="1" dirty="0">
+                <a:solidFill>
+                  <a:schemeClr val="bg1"/>
+                </a:solidFill>
+              </a:rPr>
+              <a:t>μ</a:t>
+            </a:r>
+            <a:r>
+              <a:rPr lang="en-US" i="1" baseline="-25000" dirty="0">
+                <a:solidFill>
+                  <a:schemeClr val="bg1"/>
+                </a:solidFill>
+              </a:rPr>
+              <a:t>2 </a:t>
+            </a:r>
+          </a:p>
+          <a:p>
+            <a:pPr marL="0" indent="0">
+              <a:buNone/>
+            </a:pPr>
+            <a:r>
+              <a:rPr lang="en-US" dirty="0">
+                <a:solidFill>
+                  <a:schemeClr val="bg1"/>
+                </a:solidFill>
+              </a:rPr>
+              <a:t>, where </a:t>
+            </a:r>
+            <a:r>
+              <a:rPr lang="en-US" i="1" dirty="0">
+                <a:solidFill>
+                  <a:schemeClr val="bg1"/>
+                </a:solidFill>
+              </a:rPr>
+              <a:t>μ</a:t>
+            </a:r>
+            <a:r>
+              <a:rPr lang="en-US" i="1" baseline="-25000" dirty="0">
+                <a:solidFill>
+                  <a:schemeClr val="bg1"/>
+                </a:solidFill>
+              </a:rPr>
+              <a:t>1</a:t>
+            </a:r>
+            <a:r>
+              <a:rPr lang="en-US" i="1" dirty="0">
+                <a:solidFill>
+                  <a:schemeClr val="bg1"/>
+                </a:solidFill>
+              </a:rPr>
+              <a:t> </a:t>
+            </a:r>
+            <a:r>
+              <a:rPr lang="en-US" dirty="0">
+                <a:solidFill>
+                  <a:schemeClr val="bg1"/>
+                </a:solidFill>
+              </a:rPr>
+              <a:t>mean of population 1 and </a:t>
+            </a:r>
+            <a:r>
+              <a:rPr lang="en-US" i="1" dirty="0">
+                <a:solidFill>
+                  <a:schemeClr val="bg1"/>
+                </a:solidFill>
+              </a:rPr>
+              <a:t>μ</a:t>
+            </a:r>
+            <a:r>
+              <a:rPr lang="en-US" i="1" baseline="-25000" dirty="0">
+                <a:solidFill>
+                  <a:schemeClr val="bg1"/>
+                </a:solidFill>
+              </a:rPr>
+              <a:t>2</a:t>
+            </a:r>
+            <a:r>
+              <a:rPr lang="en-US" i="1" dirty="0">
+                <a:solidFill>
+                  <a:schemeClr val="bg1"/>
+                </a:solidFill>
+              </a:rPr>
+              <a:t> </a:t>
+            </a:r>
+            <a:r>
+              <a:rPr lang="en-US" dirty="0">
+                <a:solidFill>
+                  <a:schemeClr val="bg1"/>
+                </a:solidFill>
+              </a:rPr>
+              <a:t>mean of population 2</a:t>
+            </a:r>
           </a:p>
           <a:p>
             <a:pPr marL="0" indent="0">
               <a:buNone/>
             </a:pPr>
             <a:endParaRPr lang="en-US" dirty="0"/>
-          </a:p>
-        </p:txBody>
-      </p:sp>
-      <p:sp>
-        <p:nvSpPr>
-          <p:cNvPr id="15" name="TextBox 14"/>
-          <p:cNvSpPr txBox="1"/>
-          <p:nvPr/>
-        </p:nvSpPr>
-        <p:spPr>
-          <a:xfrm>
-            <a:off x="3090449" y="6337611"/>
-            <a:ext cx="6329778" cy="523220"/>
-          </a:xfrm>
-          <a:prstGeom prst="rect">
-            <a:avLst/>
-          </a:prstGeom>
-          <a:noFill/>
-        </p:spPr>
-        <p:txBody>
-          <a:bodyPr wrap="square" rtlCol="0">
-            <a:spAutoFit/>
-          </a:bodyPr>
-          <a:lstStyle/>
-          <a:p>
-            <a:pPr algn="ctr"/>
-            <a:r>
-              <a:rPr lang="en-US" sz="2800" dirty="0"/>
-              <a:t>Seconds / 10K</a:t>
-            </a:r>
-          </a:p>
-        </p:txBody>
-      </p:sp>
-      <p:cxnSp>
-        <p:nvCxnSpPr>
-          <p:cNvPr id="18" name="Straight Arrow Connector 17"/>
-          <p:cNvCxnSpPr>
-            <a:cxnSpLocks/>
-          </p:cNvCxnSpPr>
-          <p:nvPr/>
-        </p:nvCxnSpPr>
-        <p:spPr>
-          <a:xfrm flipH="1">
-            <a:off x="6229076" y="2812077"/>
-            <a:ext cx="1" cy="3474720"/>
-          </a:xfrm>
-          <a:prstGeom prst="straightConnector1">
-            <a:avLst/>
-          </a:prstGeom>
-          <a:ln w="41275">
-            <a:solidFill>
-              <a:schemeClr val="tx1"/>
-            </a:solidFill>
-            <a:prstDash val="sysDot"/>
-            <a:tailEnd type="stealth" w="lg" len="lg"/>
-          </a:ln>
-        </p:spPr>
-        <p:style>
-          <a:lnRef idx="1">
-            <a:schemeClr val="accent1"/>
-          </a:lnRef>
-          <a:fillRef idx="0">
-            <a:schemeClr val="accent1"/>
-          </a:fillRef>
-          <a:effectRef idx="0">
-            <a:schemeClr val="accent1"/>
-          </a:effectRef>
-          <a:fontRef idx="minor">
-            <a:schemeClr val="tx1"/>
-          </a:fontRef>
-        </p:style>
-      </p:cxnSp>
-      <p:sp>
-        <p:nvSpPr>
-          <p:cNvPr id="16" name="TextBox 15"/>
-          <p:cNvSpPr txBox="1"/>
-          <p:nvPr/>
-        </p:nvSpPr>
-        <p:spPr>
-          <a:xfrm>
-            <a:off x="5271796" y="4814309"/>
-            <a:ext cx="1931437" cy="707886"/>
-          </a:xfrm>
-          <a:prstGeom prst="rect">
-            <a:avLst/>
-          </a:prstGeom>
-          <a:solidFill>
-            <a:schemeClr val="bg1"/>
-          </a:solidFill>
-        </p:spPr>
-        <p:txBody>
-          <a:bodyPr wrap="square" rtlCol="0">
-            <a:spAutoFit/>
-          </a:bodyPr>
-          <a:lstStyle/>
-          <a:p>
-            <a:pPr algn="ctr"/>
-            <a:r>
-              <a:rPr lang="en-US" sz="2000" dirty="0"/>
-              <a:t>Oscar’s avg. time</a:t>
-            </a:r>
-            <a:r>
-              <a:rPr lang="zh-TW" altLang="en-US" sz="2000" dirty="0"/>
-              <a:t> </a:t>
-            </a:r>
-            <a:r>
-              <a:rPr lang="en-US" altLang="zh-TW" sz="2000" dirty="0"/>
-              <a:t>(</a:t>
-            </a:r>
-            <a:r>
-              <a:rPr lang="en-US" sz="2000" i="1" dirty="0"/>
-              <a:t>μ</a:t>
-            </a:r>
-            <a:r>
-              <a:rPr lang="en-US" sz="2000" i="1" baseline="-25000" dirty="0"/>
-              <a:t>1</a:t>
-            </a:r>
-            <a:r>
-              <a:rPr lang="en-US" sz="2000" dirty="0"/>
-              <a:t>) = </a:t>
-            </a:r>
-            <a:r>
-              <a:rPr lang="en-US" sz="2000" dirty="0"/>
-              <a:t> 3000s</a:t>
-            </a:r>
-          </a:p>
-        </p:txBody>
-      </p:sp>
-      <p:sp>
-        <p:nvSpPr>
-          <p:cNvPr id="21" name="TextBox 20"/>
-          <p:cNvSpPr txBox="1"/>
-          <p:nvPr/>
-        </p:nvSpPr>
-        <p:spPr>
-          <a:xfrm>
-            <a:off x="6567222" y="1563605"/>
-            <a:ext cx="2184896" cy="523220"/>
-          </a:xfrm>
-          <a:prstGeom prst="rect">
-            <a:avLst/>
-          </a:prstGeom>
-          <a:noFill/>
-        </p:spPr>
-        <p:txBody>
-          <a:bodyPr wrap="square" rtlCol="0">
-            <a:spAutoFit/>
-          </a:bodyPr>
-          <a:lstStyle/>
-          <a:p>
-            <a:pPr algn="ctr"/>
-            <a:r>
-              <a:rPr lang="en-US" sz="2800" dirty="0"/>
-              <a:t>Critical value to reject </a:t>
-            </a:r>
-            <a:r>
-              <a:rPr lang="en-US" sz="2800" i="1" dirty="0"/>
-              <a:t>H</a:t>
-            </a:r>
-            <a:r>
-              <a:rPr lang="en-US" sz="2800" i="1" baseline="-25000" dirty="0"/>
-              <a:t>0</a:t>
-            </a:r>
-          </a:p>
-        </p:txBody>
-      </p:sp>
-      <p:cxnSp>
-        <p:nvCxnSpPr>
-          <p:cNvPr id="22" name="Straight Arrow Connector 21"/>
-          <p:cNvCxnSpPr>
-            <a:cxnSpLocks/>
-          </p:cNvCxnSpPr>
-          <p:nvPr/>
-        </p:nvCxnSpPr>
-        <p:spPr>
-          <a:xfrm flipH="1">
-            <a:off x="7653557" y="2443305"/>
-            <a:ext cx="1" cy="3840480"/>
-          </a:xfrm>
-          <a:prstGeom prst="straightConnector1">
-            <a:avLst/>
-          </a:prstGeom>
-          <a:ln w="41275">
-            <a:solidFill>
-              <a:srgbClr val="00B050"/>
-            </a:solidFill>
-            <a:prstDash val="solid"/>
-            <a:tailEnd type="stealth" w="lg" len="lg"/>
-          </a:ln>
-        </p:spPr>
-        <p:style>
-          <a:lnRef idx="1">
-            <a:schemeClr val="accent1"/>
-          </a:lnRef>
-          <a:fillRef idx="0">
-            <a:schemeClr val="accent1"/>
-          </a:fillRef>
-          <a:effectRef idx="0">
-            <a:schemeClr val="accent1"/>
-          </a:effectRef>
-          <a:fontRef idx="minor">
-            <a:schemeClr val="tx1"/>
-          </a:fontRef>
-        </p:style>
-      </p:cxnSp>
-      <p:sp>
-        <p:nvSpPr>
-          <p:cNvPr id="23" name="TextBox 22"/>
-          <p:cNvSpPr txBox="1"/>
-          <p:nvPr/>
-        </p:nvSpPr>
-        <p:spPr>
-          <a:xfrm>
-            <a:off x="2360875" y="2677514"/>
-            <a:ext cx="2443721" cy="646331"/>
-          </a:xfrm>
-          <a:prstGeom prst="rect">
-            <a:avLst/>
-          </a:prstGeom>
-          <a:noFill/>
-        </p:spPr>
-        <p:txBody>
-          <a:bodyPr wrap="square" rtlCol="0">
-            <a:spAutoFit/>
-          </a:bodyPr>
-          <a:lstStyle/>
-          <a:p>
-            <a:pPr algn="ctr"/>
-            <a:r>
-              <a:rPr lang="en-US" dirty="0"/>
-              <a:t>Distribution of Oscar’s 10K running time</a:t>
-            </a:r>
           </a:p>
         </p:txBody>
       </p:sp>
     </p:spTree>
     <p:extLst>
       <p:ext uri="{BB962C8B-B14F-4D97-AF65-F5344CB8AC3E}">
-        <p14:creationId xmlns:p14="http://schemas.microsoft.com/office/powerpoint/2010/main" val="3215790126"/>
+        <p14:creationId xmlns:p14="http://schemas.microsoft.com/office/powerpoint/2010/main" val="712943730"/>
       </p:ext>
     </p:extLst>
   </p:cSld>
   <p:clrMapOvr>
     <a:masterClrMapping/>
   </p:clrMapOvr>
+  <p:timing>
+    <p:tnLst>
+      <p:par>
+        <p:cTn id="1" dur="indefinite" restart="never" nodeType="tmRoot"/>
+      </p:par>
+    </p:tnLst>
+  </p:timing>
 </p:sld>
 </file>
 
